--- a/other/8조-8주차-멀티태스크러닝-시퀸스 다이어그램.pptx
+++ b/other/8조-8주차-멀티태스크러닝-시퀸스 다이어그램.pptx
@@ -5,36 +5,37 @@
     <p:sldMasterId id="2147483725" r:id="rId1"/>
   </p:sldMasterIdLst>
   <p:notesMasterIdLst>
-    <p:notesMasterId r:id="rId16"/>
+    <p:notesMasterId r:id="rId17"/>
   </p:notesMasterIdLst>
   <p:sldIdLst>
     <p:sldId id="256" r:id="rId2"/>
     <p:sldId id="260" r:id="rId3"/>
     <p:sldId id="348" r:id="rId4"/>
     <p:sldId id="322" r:id="rId5"/>
-    <p:sldId id="338" r:id="rId6"/>
-    <p:sldId id="323" r:id="rId7"/>
-    <p:sldId id="339" r:id="rId8"/>
-    <p:sldId id="340" r:id="rId9"/>
-    <p:sldId id="345" r:id="rId10"/>
-    <p:sldId id="341" r:id="rId11"/>
-    <p:sldId id="346" r:id="rId12"/>
-    <p:sldId id="342" r:id="rId13"/>
-    <p:sldId id="349" r:id="rId14"/>
-    <p:sldId id="347" r:id="rId15"/>
+    <p:sldId id="350" r:id="rId6"/>
+    <p:sldId id="338" r:id="rId7"/>
+    <p:sldId id="323" r:id="rId8"/>
+    <p:sldId id="339" r:id="rId9"/>
+    <p:sldId id="340" r:id="rId10"/>
+    <p:sldId id="345" r:id="rId11"/>
+    <p:sldId id="341" r:id="rId12"/>
+    <p:sldId id="346" r:id="rId13"/>
+    <p:sldId id="342" r:id="rId14"/>
+    <p:sldId id="349" r:id="rId15"/>
+    <p:sldId id="347" r:id="rId16"/>
   </p:sldIdLst>
   <p:sldSz cx="12192000" cy="6858000"/>
   <p:notesSz cx="6858000" cy="9144000"/>
   <p:embeddedFontLst>
     <p:embeddedFont>
       <p:font typeface="나눔바른고딕" panose="020B0600000101010101" charset="-127"/>
-      <p:regular r:id="rId17"/>
-      <p:bold r:id="rId18"/>
+      <p:regular r:id="rId18"/>
+      <p:bold r:id="rId19"/>
     </p:embeddedFont>
     <p:embeddedFont>
       <p:font typeface="맑은 고딕" panose="020B0503020000020004" pitchFamily="50" charset="-127"/>
-      <p:regular r:id="rId19"/>
-      <p:bold r:id="rId20"/>
+      <p:regular r:id="rId20"/>
+      <p:bold r:id="rId21"/>
     </p:embeddedFont>
   </p:embeddedFontLst>
   <p:defaultTextStyle>
@@ -154,7 +155,7 @@
 <file path=ppt/revisionInfo.xml><?xml version="1.0" encoding="utf-8"?>
 <p1510:revInfo xmlns:a="http://schemas.openxmlformats.org/drawingml/2006/main" xmlns:r="http://schemas.openxmlformats.org/officeDocument/2006/relationships" xmlns:p1510="http://schemas.microsoft.com/office/powerpoint/2015/10/main">
   <p1510:revLst>
-    <p1510:client id="{F4963E38-397C-405C-B7E7-31497873FC99}" v="38" dt="2025-05-02T07:39:18.119"/>
+    <p1510:client id="{F4963E38-397C-405C-B7E7-31497873FC99}" v="40" dt="2025-05-02T08:19:46.496"/>
   </p1510:revLst>
 </p1510:revInfo>
 </file>
@@ -164,7 +165,7 @@
   <pc:docChgLst>
     <pc:chgData name="재현 송" userId="59b36c7d67039b31" providerId="LiveId" clId="{F4963E38-397C-405C-B7E7-31497873FC99}"/>
     <pc:docChg chg="undo custSel addSld delSld modSld">
-      <pc:chgData name="재현 송" userId="59b36c7d67039b31" providerId="LiveId" clId="{F4963E38-397C-405C-B7E7-31497873FC99}" dt="2025-05-02T07:39:47.614" v="2545" actId="20577"/>
+      <pc:chgData name="재현 송" userId="59b36c7d67039b31" providerId="LiveId" clId="{F4963E38-397C-405C-B7E7-31497873FC99}" dt="2025-05-02T08:20:18.862" v="2672"/>
       <pc:docMkLst>
         <pc:docMk/>
       </pc:docMkLst>
@@ -199,13 +200,13 @@
         </pc:spChg>
       </pc:sldChg>
       <pc:sldChg chg="delSp modSp mod modNotesTx">
-        <pc:chgData name="재현 송" userId="59b36c7d67039b31" providerId="LiveId" clId="{F4963E38-397C-405C-B7E7-31497873FC99}" dt="2025-05-02T07:23:36.913" v="1588" actId="20577"/>
+        <pc:chgData name="재현 송" userId="59b36c7d67039b31" providerId="LiveId" clId="{F4963E38-397C-405C-B7E7-31497873FC99}" dt="2025-05-02T08:20:18.862" v="2672"/>
         <pc:sldMkLst>
           <pc:docMk/>
           <pc:sldMk cId="4046158447" sldId="322"/>
         </pc:sldMkLst>
         <pc:spChg chg="mod">
-          <ac:chgData name="재현 송" userId="59b36c7d67039b31" providerId="LiveId" clId="{F4963E38-397C-405C-B7E7-31497873FC99}" dt="2025-05-02T07:23:36.913" v="1588" actId="20577"/>
+          <ac:chgData name="재현 송" userId="59b36c7d67039b31" providerId="LiveId" clId="{F4963E38-397C-405C-B7E7-31497873FC99}" dt="2025-05-02T08:20:18.862" v="2672"/>
           <ac:spMkLst>
             <pc:docMk/>
             <pc:sldMk cId="4046158447" sldId="322"/>
@@ -357,6 +358,21 @@
           <pc:docMk/>
           <pc:sldMk cId="3094881873" sldId="349"/>
         </pc:sldMkLst>
+      </pc:sldChg>
+      <pc:sldChg chg="modSp add mod">
+        <pc:chgData name="재현 송" userId="59b36c7d67039b31" providerId="LiveId" clId="{F4963E38-397C-405C-B7E7-31497873FC99}" dt="2025-05-02T08:16:50.357" v="2666"/>
+        <pc:sldMkLst>
+          <pc:docMk/>
+          <pc:sldMk cId="3926916989" sldId="350"/>
+        </pc:sldMkLst>
+        <pc:spChg chg="mod">
+          <ac:chgData name="재현 송" userId="59b36c7d67039b31" providerId="LiveId" clId="{F4963E38-397C-405C-B7E7-31497873FC99}" dt="2025-05-02T08:16:50.357" v="2666"/>
+          <ac:spMkLst>
+            <pc:docMk/>
+            <pc:sldMk cId="3926916989" sldId="350"/>
+            <ac:spMk id="3" creationId="{A9D64288-239B-37B1-0A9F-80644CD23595}"/>
+          </ac:spMkLst>
+        </pc:spChg>
       </pc:sldChg>
     </pc:docChg>
   </pc:docChgLst>
@@ -886,71 +902,7 @@
           <a:p>
             <a:r>
               <a:rPr lang="ko-KR" altLang="en-US" dirty="0"/>
-              <a:t>문제해결에 대한 사용 사례입니다</a:t>
-            </a:r>
-            <a:r>
-              <a:rPr lang="en-US" altLang="ko-KR" dirty="0"/>
-              <a:t>. </a:t>
-            </a:r>
-            <a:r>
-              <a:rPr lang="ko-KR" altLang="en-US" dirty="0"/>
-              <a:t>핵심 문제는 </a:t>
-            </a:r>
-            <a:r>
-              <a:rPr lang="ko-KR" altLang="en-US" dirty="0" err="1"/>
-              <a:t>멀티태스크</a:t>
-            </a:r>
-            <a:r>
-              <a:rPr lang="ko-KR" altLang="en-US" dirty="0"/>
-              <a:t> 러닝의 실질적인 유효성 검증 부족</a:t>
-            </a:r>
-            <a:r>
-              <a:rPr lang="en-US" altLang="ko-KR" dirty="0"/>
-              <a:t>/ </a:t>
-            </a:r>
-            <a:r>
-              <a:rPr lang="ko-KR" altLang="en-US" dirty="0"/>
-              <a:t>직접 요인으로는  유효성에 대한 연구와 근거가 부족하다는 것이고 간접 요인으로는 실제 적용 사례 부족</a:t>
-            </a:r>
-            <a:r>
-              <a:rPr lang="en-US" altLang="ko-KR" dirty="0"/>
-              <a:t>, </a:t>
-            </a:r>
-            <a:r>
-              <a:rPr lang="ko-KR" altLang="en-US" dirty="0"/>
-              <a:t>적절한 태스크 조합의 선정 및 성능 평가 기준의 불명확성이 있겠습니다</a:t>
-            </a:r>
-            <a:r>
-              <a:rPr lang="en-US" altLang="ko-KR" dirty="0"/>
-              <a:t>. </a:t>
-            </a:r>
-            <a:r>
-              <a:rPr lang="ko-KR" altLang="en-US" dirty="0"/>
-              <a:t>해당 문제 </a:t>
-            </a:r>
-            <a:r>
-              <a:rPr lang="ko-KR" altLang="en-US" dirty="0" err="1"/>
-              <a:t>해결시</a:t>
-            </a:r>
-            <a:r>
-              <a:rPr lang="ko-KR" altLang="en-US" dirty="0"/>
-              <a:t> </a:t>
-            </a:r>
-            <a:r>
-              <a:rPr lang="ko-KR" altLang="en-US" dirty="0" err="1"/>
-              <a:t>활용맥락으로는</a:t>
-            </a:r>
-            <a:r>
-              <a:rPr lang="ko-KR" altLang="en-US" dirty="0"/>
-              <a:t> 자율주행시스템</a:t>
-            </a:r>
-            <a:r>
-              <a:rPr lang="en-US" altLang="ko-KR" dirty="0"/>
-              <a:t>, </a:t>
-            </a:r>
-            <a:r>
-              <a:rPr lang="ko-KR" altLang="en-US" dirty="0"/>
-              <a:t>영상인식기반 응용분야가 있겠습니다</a:t>
+              <a:t>이는 앞서 소프트웨어 사용 사례를 시각화한 다이어그램입니다</a:t>
             </a:r>
             <a:r>
               <a:rPr lang="en-US" altLang="ko-KR" dirty="0"/>
@@ -986,6 +938,162 @@
     </p:spTree>
     <p:extLst>
       <p:ext uri="{BB962C8B-B14F-4D97-AF65-F5344CB8AC3E}">
+        <p14:creationId xmlns:p14="http://schemas.microsoft.com/office/powerpoint/2010/main" val="3524642922"/>
+      </p:ext>
+    </p:extLst>
+  </p:cSld>
+  <p:clrMapOvr>
+    <a:masterClrMapping/>
+  </p:clrMapOvr>
+</p:notes>
+</file>
+
+<file path=ppt/notesSlides/notesSlide11.xml><?xml version="1.0" encoding="utf-8"?>
+<p:notes xmlns:a="http://schemas.openxmlformats.org/drawingml/2006/main" xmlns:r="http://schemas.openxmlformats.org/officeDocument/2006/relationships" xmlns:p="http://schemas.openxmlformats.org/presentationml/2006/main">
+  <p:cSld>
+    <p:spTree>
+      <p:nvGrpSpPr>
+        <p:cNvPr id="1" name=""/>
+        <p:cNvGrpSpPr/>
+        <p:nvPr/>
+      </p:nvGrpSpPr>
+      <p:grpSpPr>
+        <a:xfrm>
+          <a:off x="0" y="0"/>
+          <a:ext cx="0" cy="0"/>
+          <a:chOff x="0" y="0"/>
+          <a:chExt cx="0" cy="0"/>
+        </a:xfrm>
+      </p:grpSpPr>
+      <p:sp>
+        <p:nvSpPr>
+          <p:cNvPr id="2" name="슬라이드 이미지 개체 틀 1"/>
+          <p:cNvSpPr>
+            <a:spLocks noGrp="1" noRot="1" noChangeAspect="1"/>
+          </p:cNvSpPr>
+          <p:nvPr>
+            <p:ph type="sldImg"/>
+          </p:nvPr>
+        </p:nvSpPr>
+        <p:spPr/>
+      </p:sp>
+      <p:sp>
+        <p:nvSpPr>
+          <p:cNvPr id="3" name="슬라이드 노트 개체 틀 2"/>
+          <p:cNvSpPr>
+            <a:spLocks noGrp="1"/>
+          </p:cNvSpPr>
+          <p:nvPr>
+            <p:ph type="body" idx="1"/>
+          </p:nvPr>
+        </p:nvSpPr>
+        <p:spPr/>
+        <p:txBody>
+          <a:bodyPr/>
+          <a:lstStyle/>
+          <a:p>
+            <a:r>
+              <a:rPr lang="ko-KR" altLang="en-US" dirty="0"/>
+              <a:t>문제해결에 대한 사용 사례입니다</a:t>
+            </a:r>
+            <a:r>
+              <a:rPr lang="en-US" altLang="ko-KR" dirty="0"/>
+              <a:t>. </a:t>
+            </a:r>
+            <a:r>
+              <a:rPr lang="ko-KR" altLang="en-US" dirty="0"/>
+              <a:t>핵심 문제는 </a:t>
+            </a:r>
+            <a:r>
+              <a:rPr lang="ko-KR" altLang="en-US" dirty="0" err="1"/>
+              <a:t>멀티태스크</a:t>
+            </a:r>
+            <a:r>
+              <a:rPr lang="ko-KR" altLang="en-US" dirty="0"/>
+              <a:t> 러닝의 실질적인 유효성 검증 부족</a:t>
+            </a:r>
+            <a:r>
+              <a:rPr lang="en-US" altLang="ko-KR" dirty="0"/>
+              <a:t>/ </a:t>
+            </a:r>
+            <a:r>
+              <a:rPr lang="ko-KR" altLang="en-US" dirty="0"/>
+              <a:t>직접 요인으로는  유효성에 대한 연구와 근거가 부족하다는 것이고 간접 요인으로는 실제 적용 사례 부족</a:t>
+            </a:r>
+            <a:r>
+              <a:rPr lang="en-US" altLang="ko-KR" dirty="0"/>
+              <a:t>, </a:t>
+            </a:r>
+            <a:r>
+              <a:rPr lang="ko-KR" altLang="en-US" dirty="0"/>
+              <a:t>적절한 태스크 조합의 선정 및 성능 평가 기준의 불명확성이 있겠습니다</a:t>
+            </a:r>
+            <a:r>
+              <a:rPr lang="en-US" altLang="ko-KR" dirty="0"/>
+              <a:t>. </a:t>
+            </a:r>
+            <a:r>
+              <a:rPr lang="ko-KR" altLang="en-US" dirty="0"/>
+              <a:t>해당 문제 </a:t>
+            </a:r>
+            <a:r>
+              <a:rPr lang="ko-KR" altLang="en-US" dirty="0" err="1"/>
+              <a:t>해결시</a:t>
+            </a:r>
+            <a:r>
+              <a:rPr lang="ko-KR" altLang="en-US" dirty="0"/>
+              <a:t> </a:t>
+            </a:r>
+            <a:r>
+              <a:rPr lang="ko-KR" altLang="en-US" dirty="0" err="1"/>
+              <a:t>활용맥락으로는</a:t>
+            </a:r>
+            <a:r>
+              <a:rPr lang="ko-KR" altLang="en-US" dirty="0"/>
+              <a:t> 자율주행시스템</a:t>
+            </a:r>
+            <a:r>
+              <a:rPr lang="en-US" altLang="ko-KR" dirty="0"/>
+              <a:t>, </a:t>
+            </a:r>
+            <a:r>
+              <a:rPr lang="ko-KR" altLang="en-US" dirty="0"/>
+              <a:t>영상인식기반 응용분야가 있겠습니다</a:t>
+            </a:r>
+            <a:r>
+              <a:rPr lang="en-US" altLang="ko-KR" dirty="0"/>
+              <a:t>.</a:t>
+            </a:r>
+            <a:endParaRPr lang="ko-KR" altLang="en-US" dirty="0"/>
+          </a:p>
+        </p:txBody>
+      </p:sp>
+      <p:sp>
+        <p:nvSpPr>
+          <p:cNvPr id="4" name="슬라이드 번호 개체 틀 3"/>
+          <p:cNvSpPr>
+            <a:spLocks noGrp="1"/>
+          </p:cNvSpPr>
+          <p:nvPr>
+            <p:ph type="sldNum" sz="quarter" idx="5"/>
+          </p:nvPr>
+        </p:nvSpPr>
+        <p:spPr/>
+        <p:txBody>
+          <a:bodyPr/>
+          <a:lstStyle/>
+          <a:p>
+            <a:fld id="{F8E863CC-1987-4F5C-ABCB-573AC5D55AFC}" type="slidenum">
+              <a:rPr lang="ko-KR" altLang="en-US" smtClean="0"/>
+              <a:t>11</a:t>
+            </a:fld>
+            <a:endParaRPr lang="ko-KR" altLang="en-US"/>
+          </a:p>
+        </p:txBody>
+      </p:sp>
+    </p:spTree>
+    <p:extLst>
+      <p:ext uri="{BB962C8B-B14F-4D97-AF65-F5344CB8AC3E}">
         <p14:creationId xmlns:p14="http://schemas.microsoft.com/office/powerpoint/2010/main" val="4172801715"/>
       </p:ext>
     </p:extLst>
@@ -996,7 +1104,7 @@
 </p:notes>
 </file>
 
-<file path=ppt/notesSlides/notesSlide11.xml><?xml version="1.0" encoding="utf-8"?>
+<file path=ppt/notesSlides/notesSlide12.xml><?xml version="1.0" encoding="utf-8"?>
 <p:notes xmlns:a="http://schemas.openxmlformats.org/drawingml/2006/main" xmlns:r="http://schemas.openxmlformats.org/officeDocument/2006/relationships" xmlns:p="http://schemas.openxmlformats.org/presentationml/2006/main">
   <p:cSld>
     <p:spTree>
@@ -1089,7 +1197,7 @@
           <a:p>
             <a:fld id="{F8E863CC-1987-4F5C-ABCB-573AC5D55AFC}" type="slidenum">
               <a:rPr lang="ko-KR" altLang="en-US" smtClean="0"/>
-              <a:t>11</a:t>
+              <a:t>12</a:t>
             </a:fld>
             <a:endParaRPr lang="ko-KR" altLang="en-US"/>
           </a:p>
@@ -1108,7 +1216,7 @@
 </p:notes>
 </file>
 
-<file path=ppt/notesSlides/notesSlide12.xml><?xml version="1.0" encoding="utf-8"?>
+<file path=ppt/notesSlides/notesSlide13.xml><?xml version="1.0" encoding="utf-8"?>
 <p:notes xmlns:a="http://schemas.openxmlformats.org/drawingml/2006/main" xmlns:r="http://schemas.openxmlformats.org/officeDocument/2006/relationships" xmlns:p="http://schemas.openxmlformats.org/presentationml/2006/main">
   <p:cSld>
     <p:spTree>
@@ -1197,7 +1305,7 @@
           <a:p>
             <a:fld id="{F8E863CC-1987-4F5C-ABCB-573AC5D55AFC}" type="slidenum">
               <a:rPr lang="ko-KR" altLang="en-US" smtClean="0"/>
-              <a:t>12</a:t>
+              <a:t>13</a:t>
             </a:fld>
             <a:endParaRPr lang="ko-KR" altLang="en-US"/>
           </a:p>
@@ -1216,7 +1324,7 @@
 </p:notes>
 </file>
 
-<file path=ppt/notesSlides/notesSlide13.xml><?xml version="1.0" encoding="utf-8"?>
+<file path=ppt/notesSlides/notesSlide14.xml><?xml version="1.0" encoding="utf-8"?>
 <p:notes xmlns:a="http://schemas.openxmlformats.org/drawingml/2006/main" xmlns:r="http://schemas.openxmlformats.org/officeDocument/2006/relationships" xmlns:p="http://schemas.openxmlformats.org/presentationml/2006/main">
   <p:cSld>
     <p:spTree>
@@ -1329,7 +1437,7 @@
           <a:p>
             <a:fld id="{F8E863CC-1987-4F5C-ABCB-573AC5D55AFC}" type="slidenum">
               <a:rPr lang="ko-KR" altLang="en-US" smtClean="0"/>
-              <a:t>13</a:t>
+              <a:t>14</a:t>
             </a:fld>
             <a:endParaRPr lang="ko-KR" altLang="en-US"/>
           </a:p>
@@ -1348,7 +1456,7 @@
 </p:notes>
 </file>
 
-<file path=ppt/notesSlides/notesSlide14.xml><?xml version="1.0" encoding="utf-8"?>
+<file path=ppt/notesSlides/notesSlide15.xml><?xml version="1.0" encoding="utf-8"?>
 <p:notes xmlns:a="http://schemas.openxmlformats.org/drawingml/2006/main" xmlns:r="http://schemas.openxmlformats.org/officeDocument/2006/relationships" xmlns:p="http://schemas.openxmlformats.org/presentationml/2006/main">
   <p:cSld>
     <p:spTree>
@@ -1461,7 +1569,7 @@
           <a:p>
             <a:fld id="{F8E863CC-1987-4F5C-ABCB-573AC5D55AFC}" type="slidenum">
               <a:rPr lang="ko-KR" altLang="en-US" smtClean="0"/>
-              <a:t>14</a:t>
+              <a:t>15</a:t>
             </a:fld>
             <a:endParaRPr lang="ko-KR" altLang="en-US"/>
           </a:p>
@@ -1953,7 +2061,13 @@
   <p:cSld>
     <p:spTree>
       <p:nvGrpSpPr>
-        <p:cNvPr id="1" name=""/>
+        <p:cNvPr id="1" name="">
+          <a:extLst>
+            <a:ext uri="{FF2B5EF4-FFF2-40B4-BE49-F238E27FC236}">
+              <a16:creationId xmlns:a16="http://schemas.microsoft.com/office/drawing/2014/main" id="{900D4513-0C41-3A9D-ADA1-07C3D0EF702F}"/>
+            </a:ext>
+          </a:extLst>
+        </p:cNvPr>
         <p:cNvGrpSpPr/>
         <p:nvPr/>
       </p:nvGrpSpPr>
@@ -1967,7 +2081,13 @@
       </p:grpSpPr>
       <p:sp>
         <p:nvSpPr>
-          <p:cNvPr id="2" name="슬라이드 이미지 개체 틀 1"/>
+          <p:cNvPr id="2" name="슬라이드 이미지 개체 틀 1">
+            <a:extLst>
+              <a:ext uri="{FF2B5EF4-FFF2-40B4-BE49-F238E27FC236}">
+                <a16:creationId xmlns:a16="http://schemas.microsoft.com/office/drawing/2014/main" id="{36AB1FA0-6212-AE9E-0BD4-DE1B945FA644}"/>
+              </a:ext>
+            </a:extLst>
+          </p:cNvPr>
           <p:cNvSpPr>
             <a:spLocks noGrp="1" noRot="1" noChangeAspect="1"/>
           </p:cNvSpPr>
@@ -1979,7 +2099,13 @@
       </p:sp>
       <p:sp>
         <p:nvSpPr>
-          <p:cNvPr id="3" name="슬라이드 노트 개체 틀 2"/>
+          <p:cNvPr id="3" name="슬라이드 노트 개체 틀 2">
+            <a:extLst>
+              <a:ext uri="{FF2B5EF4-FFF2-40B4-BE49-F238E27FC236}">
+                <a16:creationId xmlns:a16="http://schemas.microsoft.com/office/drawing/2014/main" id="{094F19F7-844D-91E6-A9DA-4203BD4ED1F5}"/>
+              </a:ext>
+            </a:extLst>
+          </p:cNvPr>
           <p:cNvSpPr>
             <a:spLocks noGrp="1"/>
           </p:cNvSpPr>
@@ -1994,23 +2120,11 @@
           <a:p>
             <a:r>
               <a:rPr lang="ko-KR" altLang="en-US" dirty="0"/>
-              <a:t>따라서</a:t>
-            </a:r>
-            <a:r>
-              <a:rPr lang="en-US" altLang="ko-KR" dirty="0"/>
-              <a:t>, </a:t>
-            </a:r>
-            <a:r>
-              <a:rPr lang="ko-KR" altLang="en-US" dirty="0"/>
-              <a:t>저희는 </a:t>
+              <a:t>저희 조의 </a:t>
             </a:r>
             <a:r>
               <a:rPr lang="ko-KR" altLang="en-US" dirty="0" err="1"/>
-              <a:t>멀티태스크러닝의</a:t>
-            </a:r>
-            <a:r>
-              <a:rPr lang="ko-KR" altLang="en-US" dirty="0"/>
-              <a:t> 유효성을 입증하고 실용성을 검증할 것입니다</a:t>
+              <a:t>연구배경입니다</a:t>
             </a:r>
             <a:r>
               <a:rPr lang="en-US" altLang="ko-KR" dirty="0"/>
@@ -2018,43 +2132,91 @@
             </a:r>
             <a:r>
               <a:rPr lang="ko-KR" altLang="en-US" dirty="0" err="1"/>
-              <a:t>멀티태스크러닝을</a:t>
+              <a:t>멀티태스크러닝은</a:t>
             </a:r>
             <a:r>
               <a:rPr lang="ko-KR" altLang="en-US" dirty="0"/>
-              <a:t> 통해 기존에 </a:t>
+              <a:t> 여러 작업들을 동시에 학습하여 모델의 성능 개선 및 경량화를 달성할 수 있는</a:t>
+            </a:r>
+            <a:r>
+              <a:rPr lang="en-US" altLang="ko-KR" dirty="0"/>
+              <a:t> </a:t>
+            </a:r>
+            <a:r>
+              <a:rPr lang="ko-KR" altLang="en-US" dirty="0"/>
+              <a:t>학습 방법입니다</a:t>
+            </a:r>
+            <a:r>
+              <a:rPr lang="en-US" altLang="ko-KR" dirty="0"/>
+              <a:t>. </a:t>
+            </a:r>
+            <a:r>
+              <a:rPr lang="ko-KR" altLang="en-US" dirty="0"/>
+              <a:t>저희 조는 </a:t>
+            </a:r>
+            <a:r>
+              <a:rPr lang="en-US" altLang="ko-KR" dirty="0"/>
+              <a:t>MTL </a:t>
+            </a:r>
+            <a:r>
+              <a:rPr lang="ko-KR" altLang="en-US" dirty="0"/>
+              <a:t>모형을 발전시키는 방법 중 기존의 </a:t>
+            </a:r>
+            <a:r>
+              <a:rPr lang="en-US" altLang="ko-KR" dirty="0"/>
+              <a:t>STL </a:t>
+            </a:r>
+            <a:r>
+              <a:rPr lang="ko-KR" altLang="en-US" dirty="0"/>
+              <a:t>모형을 </a:t>
+            </a:r>
+            <a:r>
+              <a:rPr lang="en-US" altLang="ko-KR" dirty="0"/>
+              <a:t>MTL</a:t>
+            </a:r>
+            <a:r>
+              <a:rPr lang="ko-KR" altLang="en-US" dirty="0"/>
+              <a:t>로 확장시키는 방법을 선택했습니다</a:t>
+            </a:r>
+            <a:r>
+              <a:rPr lang="en-US" altLang="ko-KR" dirty="0"/>
+              <a:t>. </a:t>
+            </a:r>
+            <a:r>
+              <a:rPr lang="ko-KR" altLang="en-US" dirty="0"/>
+              <a:t>이를 위해 강력한 </a:t>
+            </a:r>
+            <a:r>
+              <a:rPr lang="en-US" altLang="ko-KR" dirty="0"/>
+              <a:t>STL </a:t>
+            </a:r>
+            <a:r>
+              <a:rPr lang="ko-KR" altLang="en-US" dirty="0"/>
+              <a:t>모형인 </a:t>
+            </a:r>
+            <a:r>
+              <a:rPr lang="en-US" altLang="ko-KR" dirty="0"/>
+              <a:t>PVT v2</a:t>
+            </a:r>
+            <a:r>
+              <a:rPr lang="ko-KR" altLang="en-US" dirty="0"/>
+              <a:t>를 </a:t>
+            </a:r>
+            <a:r>
+              <a:rPr lang="en-US" altLang="ko-KR" dirty="0"/>
+              <a:t>MTL</a:t>
+            </a:r>
+            <a:r>
+              <a:rPr lang="ko-KR" altLang="en-US" dirty="0"/>
+              <a:t>로 학습시켜 </a:t>
             </a:r>
             <a:r>
               <a:rPr lang="ko-KR" altLang="en-US" dirty="0" err="1"/>
-              <a:t>알려져있는</a:t>
+              <a:t>선능</a:t>
             </a:r>
             <a:r>
               <a:rPr lang="ko-KR" altLang="en-US" dirty="0"/>
-              <a:t> 프레임워크를 개선하여 유효성을 검증하고 개선시킨 프레임워크를 통해 현재 연구되고 있는 </a:t>
-            </a:r>
-            <a:r>
-              <a:rPr lang="en-US" altLang="ko-KR" dirty="0"/>
-              <a:t>Tesla</a:t>
-            </a:r>
-            <a:r>
-              <a:rPr lang="ko-KR" altLang="en-US" dirty="0"/>
-              <a:t>의 </a:t>
-            </a:r>
-            <a:r>
-              <a:rPr lang="en-US" altLang="ko-KR" dirty="0" err="1"/>
-              <a:t>HydraNet</a:t>
-            </a:r>
-            <a:r>
-              <a:rPr lang="ko-KR" altLang="en-US" dirty="0"/>
-              <a:t>과 성능 </a:t>
-            </a:r>
-            <a:r>
-              <a:rPr lang="ko-KR" altLang="en-US" dirty="0" err="1"/>
-              <a:t>비교롤</a:t>
-            </a:r>
-            <a:r>
-              <a:rPr lang="ko-KR" altLang="en-US" dirty="0"/>
-              <a:t> 하여 모형의 실용성까지 평가를 할 것입니다</a:t>
+              <a:t> 변화를 정량적으로 측정하려고 합니다</a:t>
             </a:r>
             <a:r>
               <a:rPr lang="en-US" altLang="ko-KR" dirty="0"/>
@@ -2066,7 +2228,13 @@
       </p:sp>
       <p:sp>
         <p:nvSpPr>
-          <p:cNvPr id="4" name="슬라이드 번호 개체 틀 3"/>
+          <p:cNvPr id="4" name="슬라이드 번호 개체 틀 3">
+            <a:extLst>
+              <a:ext uri="{FF2B5EF4-FFF2-40B4-BE49-F238E27FC236}">
+                <a16:creationId xmlns:a16="http://schemas.microsoft.com/office/drawing/2014/main" id="{F681375A-A7F7-A77B-C13C-57818D39D3D9}"/>
+              </a:ext>
+            </a:extLst>
+          </p:cNvPr>
           <p:cNvSpPr>
             <a:spLocks noGrp="1"/>
           </p:cNvSpPr>
@@ -2090,7 +2258,7 @@
     </p:spTree>
     <p:extLst>
       <p:ext uri="{BB962C8B-B14F-4D97-AF65-F5344CB8AC3E}">
-        <p14:creationId xmlns:p14="http://schemas.microsoft.com/office/powerpoint/2010/main" val="1960724966"/>
+        <p14:creationId xmlns:p14="http://schemas.microsoft.com/office/powerpoint/2010/main" val="3156103714"/>
       </p:ext>
     </p:extLst>
   </p:cSld>
@@ -2146,73 +2314,73 @@
           <a:p>
             <a:r>
               <a:rPr lang="ko-KR" altLang="en-US" dirty="0"/>
-              <a:t>저희의 연구 질문은 다음과 같습니다</a:t>
+              <a:t>따라서</a:t>
+            </a:r>
+            <a:r>
+              <a:rPr lang="en-US" altLang="ko-KR" dirty="0"/>
+              <a:t>, </a:t>
+            </a:r>
+            <a:r>
+              <a:rPr lang="ko-KR" altLang="en-US" dirty="0"/>
+              <a:t>저희는 </a:t>
+            </a:r>
+            <a:r>
+              <a:rPr lang="ko-KR" altLang="en-US" dirty="0" err="1"/>
+              <a:t>멀티태스크러닝의</a:t>
+            </a:r>
+            <a:r>
+              <a:rPr lang="ko-KR" altLang="en-US" dirty="0"/>
+              <a:t> 유효성을 입증하고 실용성을 검증할 것입니다</a:t>
             </a:r>
             <a:r>
               <a:rPr lang="en-US" altLang="ko-KR" dirty="0"/>
               <a:t>. </a:t>
             </a:r>
             <a:r>
-              <a:rPr lang="ko-KR" altLang="en-US" dirty="0"/>
-              <a:t>첫 번째 질문으로는 </a:t>
-            </a:r>
-            <a:r>
-              <a:rPr lang="en-US" altLang="ko-KR" dirty="0"/>
-              <a:t>PVT v2 </a:t>
-            </a:r>
-            <a:r>
-              <a:rPr lang="ko-KR" altLang="en-US" dirty="0"/>
-              <a:t>프레임워크에 </a:t>
-            </a:r>
-            <a:r>
               <a:rPr lang="ko-KR" altLang="en-US" dirty="0" err="1"/>
               <a:t>멀티태스크러닝을</a:t>
             </a:r>
             <a:r>
               <a:rPr lang="ko-KR" altLang="en-US" dirty="0"/>
-              <a:t> 적용한 모형은 단일 작업 학습 모형에 비해 이미지 분류</a:t>
+              <a:t> 통해 기존에 </a:t>
+            </a:r>
+            <a:r>
+              <a:rPr lang="ko-KR" altLang="en-US" dirty="0" err="1"/>
+              <a:t>알려져있는</a:t>
+            </a:r>
+            <a:r>
+              <a:rPr lang="ko-KR" altLang="en-US" dirty="0"/>
+              <a:t> 프레임워크를 개선하여 유효성을 검증하고 개선시킨 프레임워크를 통해 현재 연구되고 있는 </a:t>
             </a:r>
             <a:r>
               <a:rPr lang="en-US" altLang="ko-KR" dirty="0"/>
-              <a:t>, </a:t>
+              <a:t>Tesla</a:t>
             </a:r>
             <a:r>
               <a:rPr lang="ko-KR" altLang="en-US" dirty="0"/>
-              <a:t>객체 탐지</a:t>
+              <a:t>의 </a:t>
+            </a:r>
+            <a:r>
+              <a:rPr lang="en-US" altLang="ko-KR" dirty="0" err="1"/>
+              <a:t>HydraNet</a:t>
+            </a:r>
+            <a:r>
+              <a:rPr lang="ko-KR" altLang="en-US" dirty="0"/>
+              <a:t>과 성능 </a:t>
+            </a:r>
+            <a:r>
+              <a:rPr lang="ko-KR" altLang="en-US" dirty="0" err="1"/>
+              <a:t>비교롤</a:t>
+            </a:r>
+            <a:r>
+              <a:rPr lang="ko-KR" altLang="en-US" dirty="0"/>
+              <a:t> 하여 모형의 실용성까지 평가를 할 것입니다</a:t>
             </a:r>
             <a:r>
               <a:rPr lang="en-US" altLang="ko-KR" dirty="0"/>
-              <a:t>, </a:t>
-            </a:r>
-            <a:r>
-              <a:rPr lang="ko-KR" altLang="en-US" dirty="0"/>
-              <a:t>의미론적 분할 각 세 작업에 대한 유의미한 성능 향상이 이루어지는가</a:t>
-            </a:r>
-            <a:r>
-              <a:rPr lang="en-US" altLang="ko-KR" dirty="0"/>
-              <a:t>? </a:t>
-            </a:r>
-            <a:r>
-              <a:rPr lang="ko-KR" altLang="en-US" dirty="0"/>
-              <a:t>두 번째 질문으로는 </a:t>
-            </a:r>
-            <a:r>
-              <a:rPr lang="ko-KR" altLang="en-US" dirty="0" err="1"/>
-              <a:t>멀티태스크</a:t>
-            </a:r>
-            <a:r>
-              <a:rPr lang="ko-KR" altLang="en-US" dirty="0"/>
-              <a:t> 러닝을 이용해 학습시킨 모형은 자율주행분야에서 사용되는 기존 프레임워크 대비 어떤 장단점을 갖는가</a:t>
-            </a:r>
-            <a:r>
-              <a:rPr lang="en-US" altLang="ko-KR" dirty="0"/>
-              <a:t>? </a:t>
-            </a:r>
-            <a:r>
-              <a:rPr lang="ko-KR" altLang="en-US" dirty="0"/>
-              <a:t>입니다</a:t>
-            </a:r>
-            <a:endParaRPr lang="en-US" altLang="ko-KR" dirty="0"/>
+              <a:t>.</a:t>
+            </a:r>
+            <a:endParaRPr lang="ko-KR" altLang="en-US" dirty="0"/>
           </a:p>
         </p:txBody>
       </p:sp>
@@ -2242,7 +2410,7 @@
     </p:spTree>
     <p:extLst>
       <p:ext uri="{BB962C8B-B14F-4D97-AF65-F5344CB8AC3E}">
-        <p14:creationId xmlns:p14="http://schemas.microsoft.com/office/powerpoint/2010/main" val="2467069903"/>
+        <p14:creationId xmlns:p14="http://schemas.microsoft.com/office/powerpoint/2010/main" val="1960724966"/>
       </p:ext>
     </p:extLst>
   </p:cSld>
@@ -2298,105 +2466,73 @@
           <a:p>
             <a:r>
               <a:rPr lang="ko-KR" altLang="en-US" dirty="0"/>
-              <a:t>이에 대한 저희의 가설로는 첫 번째</a:t>
+              <a:t>저희의 연구 질문은 다음과 같습니다</a:t>
+            </a:r>
+            <a:r>
+              <a:rPr lang="en-US" altLang="ko-KR" dirty="0"/>
+              <a:t>. </a:t>
+            </a:r>
+            <a:r>
+              <a:rPr lang="ko-KR" altLang="en-US" dirty="0"/>
+              <a:t>첫 번째 질문으로는 </a:t>
+            </a:r>
+            <a:r>
+              <a:rPr lang="en-US" altLang="ko-KR" dirty="0"/>
+              <a:t>PVT v2 </a:t>
+            </a:r>
+            <a:r>
+              <a:rPr lang="ko-KR" altLang="en-US" dirty="0"/>
+              <a:t>프레임워크에 </a:t>
+            </a:r>
+            <a:r>
+              <a:rPr lang="ko-KR" altLang="en-US" dirty="0" err="1"/>
+              <a:t>멀티태스크러닝을</a:t>
+            </a:r>
+            <a:r>
+              <a:rPr lang="ko-KR" altLang="en-US" dirty="0"/>
+              <a:t> 적용한 모형은 단일 작업 학습 모형에 비해 이미지 분류</a:t>
             </a:r>
             <a:r>
               <a:rPr lang="en-US" altLang="ko-KR" dirty="0"/>
               <a:t>, </a:t>
             </a:r>
             <a:r>
-              <a:rPr lang="ko-KR" altLang="en-US" dirty="0" err="1"/>
-              <a:t>멀티태스크러닝을</a:t>
-            </a:r>
-            <a:r>
               <a:rPr lang="ko-KR" altLang="en-US" dirty="0"/>
-              <a:t> 이용해 학습시킨 </a:t>
-            </a:r>
-            <a:r>
-              <a:rPr lang="en-US" altLang="ko-KR" dirty="0"/>
-              <a:t>PVT v2 </a:t>
-            </a:r>
-            <a:r>
-              <a:rPr lang="ko-KR" altLang="en-US" dirty="0"/>
-              <a:t>모형은 단일 작업 모형 보다 정확도</a:t>
-            </a:r>
-            <a:r>
-              <a:rPr lang="en-US" altLang="ko-KR" dirty="0"/>
-              <a:t>, AP, </a:t>
-            </a:r>
-            <a:r>
-              <a:rPr lang="en-US" altLang="ko-KR" dirty="0" err="1"/>
-              <a:t>mIoU</a:t>
-            </a:r>
-            <a:r>
-              <a:rPr lang="en-US" altLang="ko-KR" dirty="0"/>
-              <a:t>(</a:t>
-            </a:r>
-            <a:r>
-              <a:rPr lang="ko-KR" altLang="en-US" dirty="0" err="1"/>
-              <a:t>엠아이오유</a:t>
-            </a:r>
-            <a:r>
-              <a:rPr lang="en-US" altLang="ko-KR" dirty="0"/>
-              <a:t>), </a:t>
-            </a:r>
-            <a:r>
-              <a:rPr lang="ko-KR" altLang="en-US" dirty="0"/>
-              <a:t>파라미터의 개수 등과 같은 성능 지표에서 유의미한 향상 및 개선이 </a:t>
-            </a:r>
-            <a:r>
-              <a:rPr lang="ko-KR" altLang="en-US" dirty="0" err="1"/>
-              <a:t>보일거란</a:t>
-            </a:r>
-            <a:r>
-              <a:rPr lang="ko-KR" altLang="en-US" dirty="0"/>
-              <a:t> 것입니다</a:t>
-            </a:r>
-            <a:r>
-              <a:rPr lang="en-US" altLang="ko-KR" dirty="0"/>
-              <a:t>. </a:t>
-            </a:r>
-            <a:r>
-              <a:rPr lang="ko-KR" altLang="en-US" dirty="0"/>
-              <a:t>두 번째</a:t>
+              <a:t>객체 탐지</a:t>
             </a:r>
             <a:r>
               <a:rPr lang="en-US" altLang="ko-KR" dirty="0"/>
               <a:t>, </a:t>
             </a:r>
             <a:r>
+              <a:rPr lang="ko-KR" altLang="en-US" dirty="0"/>
+              <a:t>의미론적 분할 각 세 작업에 대한 유의미한 성능 향상이 이루어지는가</a:t>
+            </a:r>
+            <a:r>
+              <a:rPr lang="en-US" altLang="ko-KR" dirty="0"/>
+              <a:t>? </a:t>
+            </a:r>
+            <a:r>
+              <a:rPr lang="ko-KR" altLang="en-US" dirty="0"/>
+              <a:t>두 번째 질문으로는 </a:t>
+            </a:r>
+            <a:r>
               <a:rPr lang="ko-KR" altLang="en-US" dirty="0" err="1"/>
-              <a:t>멀티태스크러닝</a:t>
+              <a:t>멀티태스크</a:t>
             </a:r>
             <a:r>
               <a:rPr lang="ko-KR" altLang="en-US" dirty="0"/>
-              <a:t> 기반 모형은 자율 주행 분야에서 연구되는 모형인 </a:t>
-            </a:r>
-            <a:r>
-              <a:rPr lang="en-US" altLang="ko-KR" dirty="0" err="1"/>
-              <a:t>HydraNet</a:t>
+              <a:t> 러닝을 이용해 학습시킨 모형은 자율주행분야에서 사용되는 기존 프레임워크 대비 어떤 장단점을 갖는가</a:t>
             </a:r>
             <a:r>
               <a:rPr lang="en-US" altLang="ko-KR" dirty="0"/>
-              <a:t> </a:t>
+              <a:t>? </a:t>
             </a:r>
             <a:r>
               <a:rPr lang="ko-KR" altLang="en-US" dirty="0"/>
-              <a:t>대비 정확도 </a:t>
-            </a:r>
-            <a:r>
-              <a:rPr lang="ko-KR" altLang="en-US" dirty="0" err="1"/>
-              <a:t>측면에어</a:t>
-            </a:r>
-            <a:r>
-              <a:rPr lang="ko-KR" altLang="en-US" dirty="0"/>
-              <a:t> 유의미한 성능 향상을 보여줄 것이라는 겁니다</a:t>
-            </a:r>
-            <a:r>
-              <a:rPr lang="en-US" altLang="ko-KR" dirty="0"/>
-              <a:t>.</a:t>
-            </a:r>
-            <a:endParaRPr lang="ko-KR" altLang="en-US" dirty="0"/>
+              <a:t>입니다</a:t>
+            </a:r>
+            <a:endParaRPr lang="en-US" altLang="ko-KR" dirty="0"/>
           </a:p>
         </p:txBody>
       </p:sp>
@@ -2426,7 +2562,7 @@
     </p:spTree>
     <p:extLst>
       <p:ext uri="{BB962C8B-B14F-4D97-AF65-F5344CB8AC3E}">
-        <p14:creationId xmlns:p14="http://schemas.microsoft.com/office/powerpoint/2010/main" val="4231191642"/>
+        <p14:creationId xmlns:p14="http://schemas.microsoft.com/office/powerpoint/2010/main" val="2467069903"/>
       </p:ext>
     </p:extLst>
   </p:cSld>
@@ -2482,7 +2618,59 @@
           <a:p>
             <a:r>
               <a:rPr lang="ko-KR" altLang="en-US" dirty="0"/>
-              <a:t>소프트웨어 사용 사례입니다</a:t>
+              <a:t>이에 대한 저희의 가설로는 첫 번째</a:t>
+            </a:r>
+            <a:r>
+              <a:rPr lang="en-US" altLang="ko-KR" dirty="0"/>
+              <a:t>, </a:t>
+            </a:r>
+            <a:r>
+              <a:rPr lang="ko-KR" altLang="en-US" dirty="0" err="1"/>
+              <a:t>멀티태스크러닝을</a:t>
+            </a:r>
+            <a:r>
+              <a:rPr lang="ko-KR" altLang="en-US" dirty="0"/>
+              <a:t> 이용해 학습시킨 </a:t>
+            </a:r>
+            <a:r>
+              <a:rPr lang="en-US" altLang="ko-KR" dirty="0"/>
+              <a:t>PVT v2 </a:t>
+            </a:r>
+            <a:r>
+              <a:rPr lang="ko-KR" altLang="en-US" dirty="0"/>
+              <a:t>모형은 단일 작업 모형 보다 정확도</a:t>
+            </a:r>
+            <a:r>
+              <a:rPr lang="en-US" altLang="ko-KR" dirty="0"/>
+              <a:t>, AP, </a:t>
+            </a:r>
+            <a:r>
+              <a:rPr lang="en-US" altLang="ko-KR" dirty="0" err="1"/>
+              <a:t>mIoU</a:t>
+            </a:r>
+            <a:r>
+              <a:rPr lang="en-US" altLang="ko-KR" dirty="0"/>
+              <a:t>(</a:t>
+            </a:r>
+            <a:r>
+              <a:rPr lang="ko-KR" altLang="en-US" dirty="0" err="1"/>
+              <a:t>엠아이오유</a:t>
+            </a:r>
+            <a:r>
+              <a:rPr lang="en-US" altLang="ko-KR" dirty="0"/>
+              <a:t>), </a:t>
+            </a:r>
+            <a:r>
+              <a:rPr lang="ko-KR" altLang="en-US" dirty="0"/>
+              <a:t>파라미터의 개수 등과 같은 성능 지표에서 유의미한 향상 및 개선이 </a:t>
+            </a:r>
+            <a:r>
+              <a:rPr lang="ko-KR" altLang="en-US" dirty="0" err="1"/>
+              <a:t>보일거란</a:t>
+            </a:r>
+            <a:r>
+              <a:rPr lang="ko-KR" altLang="en-US" dirty="0"/>
+              <a:t> 것입니다</a:t>
             </a:r>
             <a:r>
               <a:rPr lang="en-US" altLang="ko-KR" dirty="0"/>
@@ -2490,227 +2678,39 @@
             </a:r>
             <a:r>
               <a:rPr lang="ko-KR" altLang="en-US" dirty="0"/>
-              <a:t>주요 </a:t>
-            </a:r>
-            <a:r>
-              <a:rPr lang="en-US" altLang="ko-KR" dirty="0"/>
-              <a:t>Actor</a:t>
-            </a:r>
-            <a:r>
-              <a:rPr lang="ko-KR" altLang="en-US" dirty="0"/>
-              <a:t>는 자율주행 시스템 개발자</a:t>
+              <a:t>두 번째</a:t>
             </a:r>
             <a:r>
               <a:rPr lang="en-US" altLang="ko-KR" dirty="0"/>
               <a:t>, </a:t>
             </a:r>
             <a:r>
+              <a:rPr lang="ko-KR" altLang="en-US" dirty="0" err="1"/>
+              <a:t>멀티태스크러닝</a:t>
+            </a:r>
+            <a:r>
               <a:rPr lang="ko-KR" altLang="en-US" dirty="0"/>
-              <a:t>운전자</a:t>
-            </a:r>
-            <a:r>
-              <a:rPr lang="en-US" altLang="ko-KR" dirty="0"/>
-              <a:t>, MTL </a:t>
-            </a:r>
-            <a:r>
-              <a:rPr lang="ko-KR" altLang="en-US" dirty="0"/>
-              <a:t>연구자로 설정하였고 주요 기능으로는 자율주행 태스크 응용</a:t>
-            </a:r>
-            <a:r>
-              <a:rPr lang="en-US" altLang="ko-KR" dirty="0"/>
-              <a:t>, </a:t>
-            </a:r>
-            <a:r>
-              <a:rPr lang="ko-KR" altLang="en-US" dirty="0"/>
-              <a:t>객체 탐지</a:t>
-            </a:r>
-            <a:r>
-              <a:rPr lang="en-US" altLang="ko-KR" dirty="0"/>
-              <a:t>, </a:t>
-            </a:r>
-            <a:r>
-              <a:rPr lang="ko-KR" altLang="en-US" dirty="0"/>
-              <a:t>의미론적 분할</a:t>
-            </a:r>
-            <a:r>
-              <a:rPr lang="en-US" altLang="ko-KR" dirty="0"/>
-              <a:t>, </a:t>
-            </a:r>
-            <a:r>
-              <a:rPr lang="ko-KR" altLang="en-US" dirty="0"/>
-              <a:t>이미지 분류와 같은 다중 작업 처리</a:t>
-            </a:r>
-            <a:r>
-              <a:rPr lang="en-US" altLang="ko-KR" dirty="0"/>
-              <a:t>, </a:t>
-            </a:r>
-            <a:r>
-              <a:rPr lang="ko-KR" altLang="en-US" dirty="0" err="1"/>
-              <a:t>멀티태스크</a:t>
-            </a:r>
-            <a:r>
-              <a:rPr lang="ko-KR" altLang="en-US" dirty="0"/>
-              <a:t> 학습 모형 설계 및 학습</a:t>
-            </a:r>
-            <a:r>
-              <a:rPr lang="en-US" altLang="ko-KR" dirty="0"/>
-              <a:t>, </a:t>
-            </a:r>
-            <a:r>
-              <a:rPr lang="ko-KR" altLang="en-US" dirty="0"/>
-              <a:t>모형 평가 및 성능 분석이 있으며 구성 요소로는 </a:t>
-            </a:r>
-            <a:r>
-              <a:rPr lang="en-US" altLang="ko-KR" dirty="0"/>
-              <a:t>PVT v2 </a:t>
-            </a:r>
-            <a:r>
-              <a:rPr lang="ko-KR" altLang="en-US" dirty="0"/>
-              <a:t>프레임워크 및 </a:t>
-            </a:r>
-            <a:r>
-              <a:rPr lang="ko-KR" altLang="en-US" dirty="0" err="1"/>
-              <a:t>멀티태스크러닝을</a:t>
-            </a:r>
-            <a:r>
-              <a:rPr lang="ko-KR" altLang="en-US" dirty="0"/>
-              <a:t> 위한 </a:t>
-            </a:r>
-            <a:r>
-              <a:rPr lang="ko-KR" altLang="en-US" dirty="0" err="1"/>
-              <a:t>디코더가</a:t>
-            </a:r>
-            <a:r>
-              <a:rPr lang="ko-KR" altLang="en-US" dirty="0"/>
-              <a:t> 있겠습니다</a:t>
-            </a:r>
-            <a:r>
-              <a:rPr lang="en-US" altLang="ko-KR" dirty="0"/>
-              <a:t>. </a:t>
-            </a:r>
-            <a:r>
-              <a:rPr lang="ko-KR" altLang="en-US" dirty="0"/>
-              <a:t>입력 데이터로는 </a:t>
-            </a:r>
-            <a:r>
-              <a:rPr lang="en-US" altLang="ko-KR" dirty="0"/>
-              <a:t>ImageNet, COCO, ADE20K </a:t>
-            </a:r>
-            <a:r>
-              <a:rPr lang="ko-KR" altLang="en-US" dirty="0"/>
-              <a:t>출력 데이터로는 이미지 분류 레이블과 객체 탐지 박스</a:t>
-            </a:r>
-            <a:r>
-              <a:rPr lang="en-US" altLang="ko-KR" dirty="0"/>
-              <a:t>,, </a:t>
-            </a:r>
-            <a:r>
-              <a:rPr lang="ko-KR" altLang="en-US" dirty="0"/>
-              <a:t>의미론적 분할 마스크가 있겠습니다</a:t>
-            </a:r>
-            <a:r>
-              <a:rPr lang="en-US" altLang="ko-KR" dirty="0"/>
-              <a:t>. </a:t>
-            </a:r>
-            <a:r>
-              <a:rPr lang="ko-KR" altLang="en-US" dirty="0"/>
-              <a:t>데이터의 </a:t>
-            </a:r>
-            <a:r>
-              <a:rPr lang="en-US" altLang="ko-KR" dirty="0"/>
-              <a:t>flow</a:t>
-            </a:r>
-            <a:r>
-              <a:rPr lang="ko-KR" altLang="en-US" dirty="0"/>
-              <a:t>는 우선 </a:t>
-            </a:r>
-            <a:r>
-              <a:rPr lang="ko-KR" altLang="en-US" dirty="0" err="1"/>
-              <a:t>전처리된</a:t>
-            </a:r>
-            <a:r>
-              <a:rPr lang="ko-KR" altLang="en-US" dirty="0"/>
-              <a:t> 이미지 데이터로 </a:t>
-            </a:r>
-            <a:r>
-              <a:rPr lang="en-US" altLang="ko-KR" dirty="0"/>
-              <a:t>MTL </a:t>
-            </a:r>
-            <a:r>
-              <a:rPr lang="ko-KR" altLang="en-US" dirty="0"/>
-              <a:t>모형 학습에 이용 이후 테스트 및 성능 분석으로 모형을 평가하며 추가적으로 모형을 사용 할 시 이미지 데이터를 </a:t>
-            </a:r>
-            <a:r>
-              <a:rPr lang="ko-KR" altLang="en-US" dirty="0" err="1"/>
-              <a:t>입력받아</a:t>
-            </a:r>
-            <a:r>
-              <a:rPr lang="ko-KR" altLang="en-US" dirty="0"/>
-              <a:t> 적절한 결과를 출력하는 방향이 될 것입니다</a:t>
-            </a:r>
-            <a:r>
-              <a:rPr lang="en-US" altLang="ko-KR" dirty="0"/>
-              <a:t>. </a:t>
-            </a:r>
-            <a:r>
-              <a:rPr lang="ko-KR" altLang="en-US" dirty="0"/>
-              <a:t>외부 시스템 연계로는 비교 모형인 </a:t>
-            </a:r>
-            <a:r>
-              <a:rPr lang="en-US" altLang="ko-KR" dirty="0"/>
-              <a:t>Tesla</a:t>
-            </a:r>
-            <a:r>
-              <a:rPr lang="ko-KR" altLang="en-US" dirty="0"/>
-              <a:t>의 </a:t>
+              <a:t> 기반 모형은 자율 주행 분야에서 연구되는 모형인 </a:t>
             </a:r>
             <a:r>
               <a:rPr lang="en-US" altLang="ko-KR" dirty="0" err="1"/>
               <a:t>HydraNet</a:t>
             </a:r>
             <a:r>
+              <a:rPr lang="en-US" altLang="ko-KR" dirty="0"/>
+              <a:t> </a:t>
+            </a:r>
+            <a:r>
               <a:rPr lang="ko-KR" altLang="en-US" dirty="0"/>
-              <a:t>이 있으며 평가 툴로는 </a:t>
+              <a:t>대비 정확도 </a:t>
             </a:r>
             <a:r>
               <a:rPr lang="ko-KR" altLang="en-US" dirty="0" err="1"/>
-              <a:t>파이토치</a:t>
-            </a:r>
-            <a:r>
-              <a:rPr lang="en-US" altLang="ko-KR" dirty="0"/>
-              <a:t>, </a:t>
-            </a:r>
-            <a:r>
-              <a:rPr lang="ko-KR" altLang="en-US" dirty="0" err="1"/>
-              <a:t>사이킷런을</a:t>
+              <a:t>측면에어</a:t>
             </a:r>
             <a:r>
               <a:rPr lang="ko-KR" altLang="en-US" dirty="0"/>
-              <a:t> 활용할 것입니다</a:t>
-            </a:r>
-            <a:r>
-              <a:rPr lang="en-US" altLang="ko-KR" dirty="0"/>
-              <a:t>. </a:t>
-            </a:r>
-            <a:r>
-              <a:rPr lang="ko-KR" altLang="en-US" dirty="0"/>
-              <a:t>또한</a:t>
-            </a:r>
-            <a:r>
-              <a:rPr lang="en-US" altLang="ko-KR" dirty="0"/>
-              <a:t>, </a:t>
-            </a:r>
-            <a:r>
-              <a:rPr lang="ko-KR" altLang="en-US" dirty="0"/>
-              <a:t>추가적으로 기존 모형과의 비교를 더 할 시 </a:t>
-            </a:r>
-            <a:r>
-              <a:rPr lang="en-US" altLang="ko-KR" dirty="0"/>
-              <a:t>Hugging face</a:t>
-            </a:r>
-            <a:r>
-              <a:rPr lang="ko-KR" altLang="en-US" dirty="0"/>
-              <a:t>에 있는 모형들을 활용할 것입니다</a:t>
+              <a:t> 유의미한 성능 향상을 보여줄 것이라는 겁니다</a:t>
             </a:r>
             <a:r>
               <a:rPr lang="en-US" altLang="ko-KR" dirty="0"/>
@@ -2746,7 +2746,7 @@
     </p:spTree>
     <p:extLst>
       <p:ext uri="{BB962C8B-B14F-4D97-AF65-F5344CB8AC3E}">
-        <p14:creationId xmlns:p14="http://schemas.microsoft.com/office/powerpoint/2010/main" val="445370684"/>
+        <p14:creationId xmlns:p14="http://schemas.microsoft.com/office/powerpoint/2010/main" val="4231191642"/>
       </p:ext>
     </p:extLst>
   </p:cSld>
@@ -2802,7 +2802,235 @@
           <a:p>
             <a:r>
               <a:rPr lang="ko-KR" altLang="en-US" dirty="0"/>
-              <a:t>이는 앞서 소프트웨어 사용 사례를 시각화한 다이어그램입니다</a:t>
+              <a:t>소프트웨어 사용 사례입니다</a:t>
+            </a:r>
+            <a:r>
+              <a:rPr lang="en-US" altLang="ko-KR" dirty="0"/>
+              <a:t>. </a:t>
+            </a:r>
+            <a:r>
+              <a:rPr lang="ko-KR" altLang="en-US" dirty="0"/>
+              <a:t>주요 </a:t>
+            </a:r>
+            <a:r>
+              <a:rPr lang="en-US" altLang="ko-KR" dirty="0"/>
+              <a:t>Actor</a:t>
+            </a:r>
+            <a:r>
+              <a:rPr lang="ko-KR" altLang="en-US" dirty="0"/>
+              <a:t>는 자율주행 시스템 개발자</a:t>
+            </a:r>
+            <a:r>
+              <a:rPr lang="en-US" altLang="ko-KR" dirty="0"/>
+              <a:t>, </a:t>
+            </a:r>
+            <a:r>
+              <a:rPr lang="ko-KR" altLang="en-US" dirty="0"/>
+              <a:t>운전자</a:t>
+            </a:r>
+            <a:r>
+              <a:rPr lang="en-US" altLang="ko-KR" dirty="0"/>
+              <a:t>, MTL </a:t>
+            </a:r>
+            <a:r>
+              <a:rPr lang="ko-KR" altLang="en-US" dirty="0"/>
+              <a:t>연구자로 설정하였고 주요 기능으로는 자율주행 태스크 응용</a:t>
+            </a:r>
+            <a:r>
+              <a:rPr lang="en-US" altLang="ko-KR" dirty="0"/>
+              <a:t>, </a:t>
+            </a:r>
+            <a:r>
+              <a:rPr lang="ko-KR" altLang="en-US" dirty="0"/>
+              <a:t>객체 탐지</a:t>
+            </a:r>
+            <a:r>
+              <a:rPr lang="en-US" altLang="ko-KR" dirty="0"/>
+              <a:t>, </a:t>
+            </a:r>
+            <a:r>
+              <a:rPr lang="ko-KR" altLang="en-US" dirty="0"/>
+              <a:t>의미론적 분할</a:t>
+            </a:r>
+            <a:r>
+              <a:rPr lang="en-US" altLang="ko-KR" dirty="0"/>
+              <a:t>, </a:t>
+            </a:r>
+            <a:r>
+              <a:rPr lang="ko-KR" altLang="en-US" dirty="0"/>
+              <a:t>이미지 분류와 같은 다중 작업 처리</a:t>
+            </a:r>
+            <a:r>
+              <a:rPr lang="en-US" altLang="ko-KR" dirty="0"/>
+              <a:t>, </a:t>
+            </a:r>
+            <a:r>
+              <a:rPr lang="ko-KR" altLang="en-US" dirty="0" err="1"/>
+              <a:t>멀티태스크</a:t>
+            </a:r>
+            <a:r>
+              <a:rPr lang="ko-KR" altLang="en-US" dirty="0"/>
+              <a:t> 학습 모형 설계 및 학습</a:t>
+            </a:r>
+            <a:r>
+              <a:rPr lang="en-US" altLang="ko-KR" dirty="0"/>
+              <a:t>, </a:t>
+            </a:r>
+            <a:r>
+              <a:rPr lang="ko-KR" altLang="en-US" dirty="0"/>
+              <a:t>모형 평가 및 성능 분석이 있으며 구성 요소로는 </a:t>
+            </a:r>
+            <a:r>
+              <a:rPr lang="en-US" altLang="ko-KR" dirty="0"/>
+              <a:t>PVT v2 </a:t>
+            </a:r>
+            <a:r>
+              <a:rPr lang="ko-KR" altLang="en-US" dirty="0"/>
+              <a:t>프레임워크 및 </a:t>
+            </a:r>
+            <a:r>
+              <a:rPr lang="ko-KR" altLang="en-US" dirty="0" err="1"/>
+              <a:t>멀티태스크러닝을</a:t>
+            </a:r>
+            <a:r>
+              <a:rPr lang="ko-KR" altLang="en-US" dirty="0"/>
+              <a:t> 위한 </a:t>
+            </a:r>
+            <a:r>
+              <a:rPr lang="ko-KR" altLang="en-US" dirty="0" err="1"/>
+              <a:t>디코더가</a:t>
+            </a:r>
+            <a:r>
+              <a:rPr lang="ko-KR" altLang="en-US" dirty="0"/>
+              <a:t> 있겠습니다</a:t>
+            </a:r>
+            <a:r>
+              <a:rPr lang="en-US" altLang="ko-KR" dirty="0"/>
+              <a:t>. </a:t>
+            </a:r>
+            <a:r>
+              <a:rPr lang="ko-KR" altLang="en-US" dirty="0"/>
+              <a:t>입력 데이터로는 </a:t>
+            </a:r>
+            <a:r>
+              <a:rPr lang="en-US" altLang="ko-KR" dirty="0"/>
+              <a:t>ImageNet, COCO, ADE20K </a:t>
+            </a:r>
+            <a:r>
+              <a:rPr lang="ko-KR" altLang="en-US" dirty="0"/>
+              <a:t>출력 데이터로는 이미지 분류 레이블과 객체 탐지 박스</a:t>
+            </a:r>
+            <a:r>
+              <a:rPr lang="en-US" altLang="ko-KR" dirty="0"/>
+              <a:t>,, </a:t>
+            </a:r>
+            <a:r>
+              <a:rPr lang="ko-KR" altLang="en-US" dirty="0"/>
+              <a:t>의미론적 분할 마스크가 있겠습니다</a:t>
+            </a:r>
+            <a:r>
+              <a:rPr lang="en-US" altLang="ko-KR" dirty="0"/>
+              <a:t>. </a:t>
+            </a:r>
+            <a:r>
+              <a:rPr lang="ko-KR" altLang="en-US" dirty="0"/>
+              <a:t>데이터의 </a:t>
+            </a:r>
+            <a:r>
+              <a:rPr lang="en-US" altLang="ko-KR" dirty="0"/>
+              <a:t>flow</a:t>
+            </a:r>
+            <a:r>
+              <a:rPr lang="ko-KR" altLang="en-US" dirty="0"/>
+              <a:t>는 우선 </a:t>
+            </a:r>
+            <a:r>
+              <a:rPr lang="ko-KR" altLang="en-US" dirty="0" err="1"/>
+              <a:t>전처리된</a:t>
+            </a:r>
+            <a:r>
+              <a:rPr lang="ko-KR" altLang="en-US" dirty="0"/>
+              <a:t> 이미지 데이터로 </a:t>
+            </a:r>
+            <a:r>
+              <a:rPr lang="en-US" altLang="ko-KR" dirty="0"/>
+              <a:t>MTL </a:t>
+            </a:r>
+            <a:r>
+              <a:rPr lang="ko-KR" altLang="en-US" dirty="0"/>
+              <a:t>모형 학습에 이용 이후 테스트 및 성능 분석으로 모형을 평가하며 추가적으로 모형을 사용 할 시 이미지 데이터를 </a:t>
+            </a:r>
+            <a:r>
+              <a:rPr lang="ko-KR" altLang="en-US" dirty="0" err="1"/>
+              <a:t>입력받아</a:t>
+            </a:r>
+            <a:r>
+              <a:rPr lang="ko-KR" altLang="en-US" dirty="0"/>
+              <a:t> 적절한 결과를 출력하는 방향이 될 것입니다</a:t>
+            </a:r>
+            <a:r>
+              <a:rPr lang="en-US" altLang="ko-KR" dirty="0"/>
+              <a:t>. </a:t>
+            </a:r>
+            <a:r>
+              <a:rPr lang="ko-KR" altLang="en-US" dirty="0"/>
+              <a:t>외부 시스템 연계로는 비교 모형인 </a:t>
+            </a:r>
+            <a:r>
+              <a:rPr lang="en-US" altLang="ko-KR" dirty="0"/>
+              <a:t>Tesla</a:t>
+            </a:r>
+            <a:r>
+              <a:rPr lang="ko-KR" altLang="en-US" dirty="0"/>
+              <a:t>의 </a:t>
+            </a:r>
+            <a:r>
+              <a:rPr lang="en-US" altLang="ko-KR" dirty="0" err="1"/>
+              <a:t>HydraNet</a:t>
+            </a:r>
+            <a:r>
+              <a:rPr lang="ko-KR" altLang="en-US" dirty="0"/>
+              <a:t>이 있으며 평가 툴로는 </a:t>
+            </a:r>
+            <a:r>
+              <a:rPr lang="ko-KR" altLang="en-US" dirty="0" err="1"/>
+              <a:t>파이토치</a:t>
+            </a:r>
+            <a:r>
+              <a:rPr lang="en-US" altLang="ko-KR" dirty="0"/>
+              <a:t>, </a:t>
+            </a:r>
+            <a:r>
+              <a:rPr lang="ko-KR" altLang="en-US" dirty="0" err="1"/>
+              <a:t>사이킷런을</a:t>
+            </a:r>
+            <a:r>
+              <a:rPr lang="ko-KR" altLang="en-US" dirty="0"/>
+              <a:t> 활용할 것입니다</a:t>
+            </a:r>
+            <a:r>
+              <a:rPr lang="en-US" altLang="ko-KR" dirty="0"/>
+              <a:t>. </a:t>
+            </a:r>
+            <a:r>
+              <a:rPr lang="ko-KR" altLang="en-US" dirty="0"/>
+              <a:t>또한</a:t>
+            </a:r>
+            <a:r>
+              <a:rPr lang="en-US" altLang="ko-KR" dirty="0"/>
+              <a:t>, </a:t>
+            </a:r>
+            <a:r>
+              <a:rPr lang="ko-KR" altLang="en-US" dirty="0"/>
+              <a:t>추가적으로 기존 모형과의 비교를 더 할 시 </a:t>
+            </a:r>
+            <a:r>
+              <a:rPr lang="en-US" altLang="ko-KR" dirty="0"/>
+              <a:t>Hugging face</a:t>
+            </a:r>
+            <a:r>
+              <a:rPr lang="ko-KR" altLang="en-US" dirty="0"/>
+              <a:t>에 있는 모형들을 활용할 것입니다</a:t>
             </a:r>
             <a:r>
               <a:rPr lang="en-US" altLang="ko-KR" dirty="0"/>
@@ -2838,7 +3066,7 @@
     </p:spTree>
     <p:extLst>
       <p:ext uri="{BB962C8B-B14F-4D97-AF65-F5344CB8AC3E}">
-        <p14:creationId xmlns:p14="http://schemas.microsoft.com/office/powerpoint/2010/main" val="3524642922"/>
+        <p14:creationId xmlns:p14="http://schemas.microsoft.com/office/powerpoint/2010/main" val="445370684"/>
       </p:ext>
     </p:extLst>
   </p:cSld>
@@ -19202,6 +19430,148 @@
         <p:cNvPr id="1" name="">
           <a:extLst>
             <a:ext uri="{FF2B5EF4-FFF2-40B4-BE49-F238E27FC236}">
+              <a16:creationId xmlns:a16="http://schemas.microsoft.com/office/drawing/2014/main" id="{5ABDDCCD-53A1-2D5B-0F80-83A2C75700A9}"/>
+            </a:ext>
+          </a:extLst>
+        </p:cNvPr>
+        <p:cNvGrpSpPr/>
+        <p:nvPr/>
+      </p:nvGrpSpPr>
+      <p:grpSpPr>
+        <a:xfrm>
+          <a:off x="0" y="0"/>
+          <a:ext cx="0" cy="0"/>
+          <a:chOff x="0" y="0"/>
+          <a:chExt cx="0" cy="0"/>
+        </a:xfrm>
+      </p:grpSpPr>
+      <p:sp>
+        <p:nvSpPr>
+          <p:cNvPr id="2" name="제목 1">
+            <a:extLst>
+              <a:ext uri="{FF2B5EF4-FFF2-40B4-BE49-F238E27FC236}">
+                <a16:creationId xmlns:a16="http://schemas.microsoft.com/office/drawing/2014/main" id="{6FA7CDAB-74E6-7952-5458-D731502F25E0}"/>
+              </a:ext>
+            </a:extLst>
+          </p:cNvPr>
+          <p:cNvSpPr>
+            <a:spLocks noGrp="1"/>
+          </p:cNvSpPr>
+          <p:nvPr>
+            <p:ph type="title"/>
+          </p:nvPr>
+        </p:nvSpPr>
+        <p:spPr>
+          <a:xfrm>
+            <a:off x="691079" y="0"/>
+            <a:ext cx="10325000" cy="1442463"/>
+          </a:xfrm>
+        </p:spPr>
+        <p:txBody>
+          <a:bodyPr/>
+          <a:lstStyle/>
+          <a:p>
+            <a:r>
+              <a:rPr lang="ko-KR" altLang="en-US" dirty="0"/>
+              <a:t>소프트웨어 사용 사례 </a:t>
+            </a:r>
+            <a:r>
+              <a:rPr lang="en-US" altLang="ko-KR" dirty="0"/>
+              <a:t>/</a:t>
+            </a:r>
+            <a:r>
+              <a:rPr lang="ko-KR" altLang="en-US" dirty="0"/>
+              <a:t> </a:t>
+            </a:r>
+            <a:r>
+              <a:rPr lang="en-US" altLang="ko-KR" dirty="0"/>
+              <a:t>DIAGRAM</a:t>
+            </a:r>
+            <a:endParaRPr lang="ko-KR" altLang="en-US" dirty="0"/>
+          </a:p>
+        </p:txBody>
+      </p:sp>
+      <p:pic>
+        <p:nvPicPr>
+          <p:cNvPr id="3073" name="Picture 1">
+            <a:extLst>
+              <a:ext uri="{FF2B5EF4-FFF2-40B4-BE49-F238E27FC236}">
+                <a16:creationId xmlns:a16="http://schemas.microsoft.com/office/drawing/2014/main" id="{55908EEE-E3AD-6681-5D73-09667A2C9956}"/>
+              </a:ext>
+            </a:extLst>
+          </p:cNvPr>
+          <p:cNvPicPr>
+            <a:picLocks noChangeAspect="1" noChangeArrowheads="1"/>
+          </p:cNvPicPr>
+          <p:nvPr/>
+        </p:nvPicPr>
+        <p:blipFill>
+          <a:blip r:embed="rId3">
+            <a:extLst>
+              <a:ext uri="{28A0092B-C50C-407E-A947-70E740481C1C}">
+                <a14:useLocalDpi xmlns:a14="http://schemas.microsoft.com/office/drawing/2010/main" val="0"/>
+              </a:ext>
+            </a:extLst>
+          </a:blip>
+          <a:srcRect/>
+          <a:stretch>
+            <a:fillRect/>
+          </a:stretch>
+        </p:blipFill>
+        <p:spPr bwMode="auto">
+          <a:xfrm>
+            <a:off x="2602774" y="1754998"/>
+            <a:ext cx="6501610" cy="4734702"/>
+          </a:xfrm>
+          <a:prstGeom prst="rect">
+            <a:avLst/>
+          </a:prstGeom>
+          <a:noFill/>
+          <a:ln>
+            <a:noFill/>
+          </a:ln>
+          <a:extLst>
+            <a:ext uri="{909E8E84-426E-40DD-AFC4-6F175D3DCCD1}">
+              <a14:hiddenFill xmlns:a14="http://schemas.microsoft.com/office/drawing/2010/main">
+                <a:solidFill>
+                  <a:srgbClr val="FFFFFF"/>
+                </a:solidFill>
+              </a14:hiddenFill>
+            </a:ext>
+            <a:ext uri="{91240B29-F687-4F45-9708-019B960494DF}">
+              <a14:hiddenLine xmlns:a14="http://schemas.microsoft.com/office/drawing/2010/main" w="9525">
+                <a:solidFill>
+                  <a:srgbClr val="000000"/>
+                </a:solidFill>
+                <a:miter lim="800000"/>
+                <a:headEnd/>
+                <a:tailEnd/>
+              </a14:hiddenLine>
+            </a:ext>
+          </a:extLst>
+        </p:spPr>
+      </p:pic>
+    </p:spTree>
+    <p:extLst>
+      <p:ext uri="{BB962C8B-B14F-4D97-AF65-F5344CB8AC3E}">
+        <p14:creationId xmlns:p14="http://schemas.microsoft.com/office/powerpoint/2010/main" val="1199213148"/>
+      </p:ext>
+    </p:extLst>
+  </p:cSld>
+  <p:clrMapOvr>
+    <a:masterClrMapping/>
+  </p:clrMapOvr>
+</p:sld>
+</file>
+
+<file path=ppt/slides/slide11.xml><?xml version="1.0" encoding="utf-8"?>
+<p:sld xmlns:a="http://schemas.openxmlformats.org/drawingml/2006/main" xmlns:r="http://schemas.openxmlformats.org/officeDocument/2006/relationships" xmlns:p="http://schemas.openxmlformats.org/presentationml/2006/main">
+  <p:cSld>
+    <p:spTree>
+      <p:nvGrpSpPr>
+        <p:cNvPr id="1" name="">
+          <a:extLst>
+            <a:ext uri="{FF2B5EF4-FFF2-40B4-BE49-F238E27FC236}">
               <a16:creationId xmlns:a16="http://schemas.microsoft.com/office/drawing/2014/main" id="{31658B82-8F2D-79DC-DFD3-3ECCA00E8E6D}"/>
             </a:ext>
           </a:extLst>
@@ -19621,7 +19991,7 @@
 </p:sld>
 </file>
 
-<file path=ppt/slides/slide11.xml><?xml version="1.0" encoding="utf-8"?>
+<file path=ppt/slides/slide12.xml><?xml version="1.0" encoding="utf-8"?>
 <p:sld xmlns:a="http://schemas.openxmlformats.org/drawingml/2006/main" xmlns:r="http://schemas.openxmlformats.org/officeDocument/2006/relationships" xmlns:p="http://schemas.openxmlformats.org/presentationml/2006/main">
   <p:cSld>
     <p:spTree>
@@ -19755,7 +20125,7 @@
 </p:sld>
 </file>
 
-<file path=ppt/slides/slide12.xml><?xml version="1.0" encoding="utf-8"?>
+<file path=ppt/slides/slide13.xml><?xml version="1.0" encoding="utf-8"?>
 <p:sld xmlns:a="http://schemas.openxmlformats.org/drawingml/2006/main" xmlns:r="http://schemas.openxmlformats.org/officeDocument/2006/relationships" xmlns:p="http://schemas.openxmlformats.org/presentationml/2006/main">
   <p:cSld>
     <p:spTree>
@@ -20294,7 +20664,7 @@
 </p:sld>
 </file>
 
-<file path=ppt/slides/slide13.xml><?xml version="1.0" encoding="utf-8"?>
+<file path=ppt/slides/slide14.xml><?xml version="1.0" encoding="utf-8"?>
 <p:sld xmlns:a="http://schemas.openxmlformats.org/drawingml/2006/main" xmlns:r="http://schemas.openxmlformats.org/officeDocument/2006/relationships" xmlns:p="http://schemas.openxmlformats.org/presentationml/2006/main">
   <p:cSld>
     <p:spTree>
@@ -20400,7 +20770,7 @@
 </p:sld>
 </file>
 
-<file path=ppt/slides/slide14.xml><?xml version="1.0" encoding="utf-8"?>
+<file path=ppt/slides/slide15.xml><?xml version="1.0" encoding="utf-8"?>
 <p:sld xmlns:a="http://schemas.openxmlformats.org/drawingml/2006/main" xmlns:r="http://schemas.openxmlformats.org/officeDocument/2006/relationships" xmlns:p="http://schemas.openxmlformats.org/presentationml/2006/main">
   <p:cSld>
     <p:spTree>
@@ -21880,6 +22250,10 @@
           <a:lstStyle/>
           <a:p>
             <a:r>
+              <a:rPr lang="ko-KR" altLang="en-US" dirty="0"/>
+              <a:t>최근 연구에서는 </a:t>
+            </a:r>
+            <a:r>
               <a:rPr lang="en-US" altLang="ko-KR" dirty="0"/>
               <a:t>STL </a:t>
             </a:r>
@@ -21893,7 +22267,72 @@
             </a:r>
             <a:r>
               <a:rPr lang="ko-KR" altLang="en-US" dirty="0"/>
-              <a:t>로 확장하는 연구가 실효성 있음</a:t>
+              <a:t>로 확장하는 방식의 효율성 입증</a:t>
+            </a:r>
+            <a:endParaRPr lang="en-US" altLang="ko-KR" dirty="0"/>
+          </a:p>
+          <a:p>
+            <a:pPr lvl="1"/>
+            <a:r>
+              <a:rPr lang="en-US" altLang="ko-KR" dirty="0" err="1"/>
+              <a:t>SwinMTL</a:t>
+            </a:r>
+            <a:r>
+              <a:rPr lang="en-US" altLang="ko-KR" dirty="0"/>
+              <a:t> → Swin Transformer </a:t>
+            </a:r>
+            <a:r>
+              <a:rPr lang="ko-KR" altLang="en-US" dirty="0"/>
+              <a:t>기반 </a:t>
+            </a:r>
+            <a:r>
+              <a:rPr lang="en-US" altLang="ko-KR" dirty="0"/>
+              <a:t>MTL </a:t>
+            </a:r>
+            <a:r>
+              <a:rPr lang="ko-KR" altLang="en-US" dirty="0"/>
+              <a:t>확장으로 </a:t>
+            </a:r>
+            <a:r>
+              <a:rPr lang="ko-KR" altLang="en-US" b="1" dirty="0"/>
+              <a:t>메모리 사용량 감소 및 정확도 유지</a:t>
+            </a:r>
+            <a:endParaRPr lang="en-US" altLang="ko-KR" b="1" dirty="0"/>
+          </a:p>
+          <a:p>
+            <a:pPr marL="0" indent="0">
+              <a:buNone/>
+            </a:pPr>
+            <a:endParaRPr lang="en-US" altLang="ko-KR" dirty="0"/>
+          </a:p>
+          <a:p>
+            <a:r>
+              <a:rPr lang="ko-KR" altLang="en-US" dirty="0"/>
+              <a:t>강력한 </a:t>
+            </a:r>
+            <a:r>
+              <a:rPr lang="en-US" altLang="ko-KR" dirty="0"/>
+              <a:t>STL </a:t>
+            </a:r>
+            <a:r>
+              <a:rPr lang="ko-KR" altLang="en-US" dirty="0"/>
+              <a:t>모델인 </a:t>
+            </a:r>
+            <a:r>
+              <a:rPr lang="en-US" altLang="ko-KR" dirty="0"/>
+              <a:t>PVT v2</a:t>
+            </a:r>
+            <a:r>
+              <a:rPr lang="ko-KR" altLang="en-US" dirty="0"/>
+              <a:t>를 </a:t>
+            </a:r>
+            <a:r>
+              <a:rPr lang="en-US" altLang="ko-KR" dirty="0"/>
+              <a:t>MTL</a:t>
+            </a:r>
+            <a:r>
+              <a:rPr lang="ko-KR" altLang="en-US" dirty="0"/>
+              <a:t>로 확장 시 성능 향상 기대</a:t>
             </a:r>
             <a:endParaRPr lang="en-US" altLang="ko-KR" dirty="0"/>
           </a:p>
@@ -21902,96 +22341,29 @@
           </a:p>
           <a:p>
             <a:r>
+              <a:rPr lang="en-US" altLang="ko-KR" dirty="0"/>
+              <a:t>MTL </a:t>
+            </a:r>
+            <a:r>
               <a:rPr lang="ko-KR" altLang="en-US" dirty="0"/>
-              <a:t>기존 </a:t>
-            </a:r>
-            <a:r>
-              <a:rPr lang="en-US" altLang="ko-KR" dirty="0"/>
-              <a:t>STL </a:t>
-            </a:r>
-            <a:r>
-              <a:rPr lang="ko-KR" altLang="en-US" dirty="0"/>
-              <a:t>모형인 </a:t>
-            </a:r>
-            <a:r>
-              <a:rPr lang="en-US" altLang="ko-KR" dirty="0"/>
-              <a:t>Swin Transformer</a:t>
-            </a:r>
-            <a:r>
-              <a:rPr lang="ko-KR" altLang="en-US" dirty="0"/>
-              <a:t>을 </a:t>
-            </a:r>
-            <a:r>
-              <a:rPr lang="en-US" altLang="ko-KR" dirty="0"/>
-              <a:t>MTL</a:t>
-            </a:r>
-            <a:r>
-              <a:rPr lang="ko-KR" altLang="en-US" dirty="0"/>
-              <a:t>로 확장하니 메모리 사용량이 감소</a:t>
+              <a:t>전용 구조들도 활발히 연구 중</a:t>
             </a:r>
             <a:endParaRPr lang="en-US" altLang="ko-KR" dirty="0"/>
           </a:p>
           <a:p>
-            <a:endParaRPr lang="en-US" altLang="ko-KR" dirty="0"/>
-          </a:p>
-          <a:p>
+            <a:pPr lvl="1"/>
+            <a:r>
+              <a:rPr lang="en-US" altLang="ko-KR" dirty="0" err="1"/>
+              <a:t>MulT</a:t>
+            </a:r>
+            <a:r>
+              <a:rPr lang="en-US" altLang="ko-KR" dirty="0"/>
+              <a:t>, M3ViT, IPT </a:t>
+            </a:r>
             <a:r>
               <a:rPr lang="ko-KR" altLang="en-US" dirty="0"/>
-              <a:t>강력한 </a:t>
-            </a:r>
-            <a:r>
-              <a:rPr lang="en-US" altLang="ko-KR" dirty="0"/>
-              <a:t>STL </a:t>
-            </a:r>
-            <a:r>
-              <a:rPr lang="ko-KR" altLang="en-US" dirty="0"/>
-              <a:t>모델인 </a:t>
-            </a:r>
-            <a:r>
-              <a:rPr lang="en-US" altLang="ko-KR" dirty="0"/>
-              <a:t>PVT v2</a:t>
-            </a:r>
-            <a:r>
-              <a:rPr lang="ko-KR" altLang="en-US" dirty="0"/>
-              <a:t>를 </a:t>
-            </a:r>
-            <a:r>
-              <a:rPr lang="en-US" altLang="ko-KR" dirty="0"/>
-              <a:t>MTL</a:t>
-            </a:r>
-            <a:r>
-              <a:rPr lang="ko-KR" altLang="en-US" dirty="0"/>
-              <a:t>로 확장 시 성능 향상 가능성이 높음</a:t>
-            </a:r>
-            <a:endParaRPr lang="en-US" altLang="ko-KR" dirty="0"/>
-          </a:p>
-          <a:p>
-            <a:endParaRPr lang="en-US" altLang="ko-KR" dirty="0"/>
-          </a:p>
-          <a:p>
-            <a:r>
-              <a:rPr lang="ko-KR" altLang="en-US" dirty="0"/>
-              <a:t>검증된 </a:t>
-            </a:r>
-            <a:r>
-              <a:rPr lang="en-US" altLang="ko-KR" dirty="0"/>
-              <a:t>STL </a:t>
-            </a:r>
-            <a:r>
-              <a:rPr lang="ko-KR" altLang="en-US" dirty="0"/>
-              <a:t>모형을 기준점으로 </a:t>
-            </a:r>
-            <a:r>
-              <a:rPr lang="en-US" altLang="ko-KR" dirty="0"/>
-              <a:t>MTL</a:t>
-            </a:r>
-            <a:r>
-              <a:rPr lang="ko-KR" altLang="en-US" dirty="0"/>
-              <a:t>을 적용하여 성능 변화를 정량적으로 측정</a:t>
-            </a:r>
-            <a:endParaRPr lang="en-US" altLang="ko-KR" dirty="0"/>
-          </a:p>
-          <a:p>
+              <a:t>등 → 다양한 태스크를 효율적으로 처리 가능</a:t>
+            </a:r>
             <a:endParaRPr lang="en-US" altLang="ko-KR" dirty="0"/>
           </a:p>
         </p:txBody>
@@ -22010,6 +22382,166 @@
 </file>
 
 <file path=ppt/slides/slide5.xml><?xml version="1.0" encoding="utf-8"?>
+<p:sld xmlns:a="http://schemas.openxmlformats.org/drawingml/2006/main" xmlns:r="http://schemas.openxmlformats.org/officeDocument/2006/relationships" xmlns:p="http://schemas.openxmlformats.org/presentationml/2006/main">
+  <p:cSld>
+    <p:spTree>
+      <p:nvGrpSpPr>
+        <p:cNvPr id="1" name="">
+          <a:extLst>
+            <a:ext uri="{FF2B5EF4-FFF2-40B4-BE49-F238E27FC236}">
+              <a16:creationId xmlns:a16="http://schemas.microsoft.com/office/drawing/2014/main" id="{6B6896D9-F389-81CB-2199-53A57DA2A1FE}"/>
+            </a:ext>
+          </a:extLst>
+        </p:cNvPr>
+        <p:cNvGrpSpPr/>
+        <p:nvPr/>
+      </p:nvGrpSpPr>
+      <p:grpSpPr>
+        <a:xfrm>
+          <a:off x="0" y="0"/>
+          <a:ext cx="0" cy="0"/>
+          <a:chOff x="0" y="0"/>
+          <a:chExt cx="0" cy="0"/>
+        </a:xfrm>
+      </p:grpSpPr>
+      <p:sp>
+        <p:nvSpPr>
+          <p:cNvPr id="2" name="제목 1">
+            <a:extLst>
+              <a:ext uri="{FF2B5EF4-FFF2-40B4-BE49-F238E27FC236}">
+                <a16:creationId xmlns:a16="http://schemas.microsoft.com/office/drawing/2014/main" id="{E5DE8FEA-11FD-6D99-98B1-A4875974434E}"/>
+              </a:ext>
+            </a:extLst>
+          </p:cNvPr>
+          <p:cNvSpPr>
+            <a:spLocks noGrp="1"/>
+          </p:cNvSpPr>
+          <p:nvPr>
+            <p:ph type="title"/>
+          </p:nvPr>
+        </p:nvSpPr>
+        <p:spPr>
+          <a:xfrm>
+            <a:off x="691079" y="0"/>
+            <a:ext cx="10325000" cy="1442463"/>
+          </a:xfrm>
+        </p:spPr>
+        <p:txBody>
+          <a:bodyPr/>
+          <a:lstStyle/>
+          <a:p>
+            <a:r>
+              <a:rPr lang="ko-KR" altLang="en-US" dirty="0"/>
+              <a:t>연구 배경</a:t>
+            </a:r>
+          </a:p>
+        </p:txBody>
+      </p:sp>
+      <p:sp>
+        <p:nvSpPr>
+          <p:cNvPr id="3" name="내용 개체 틀 2">
+            <a:extLst>
+              <a:ext uri="{FF2B5EF4-FFF2-40B4-BE49-F238E27FC236}">
+                <a16:creationId xmlns:a16="http://schemas.microsoft.com/office/drawing/2014/main" id="{A9D64288-239B-37B1-0A9F-80644CD23595}"/>
+              </a:ext>
+            </a:extLst>
+          </p:cNvPr>
+          <p:cNvSpPr>
+            <a:spLocks noGrp="1"/>
+          </p:cNvSpPr>
+          <p:nvPr>
+            <p:ph idx="1"/>
+          </p:nvPr>
+        </p:nvSpPr>
+        <p:spPr/>
+        <p:txBody>
+          <a:bodyPr/>
+          <a:lstStyle/>
+          <a:p>
+            <a:r>
+              <a:rPr lang="ko-KR" altLang="en-US" b="1" dirty="0"/>
+              <a:t>기존 강력한 </a:t>
+            </a:r>
+            <a:r>
+              <a:rPr lang="en-US" altLang="ko-KR" b="1" dirty="0"/>
+              <a:t>STL </a:t>
+            </a:r>
+            <a:r>
+              <a:rPr lang="ko-KR" altLang="en-US" b="1" dirty="0"/>
+              <a:t>모델을 기준점으로 삼아 </a:t>
+            </a:r>
+            <a:r>
+              <a:rPr lang="en-US" altLang="ko-KR" b="1" dirty="0"/>
+              <a:t>MTL</a:t>
+            </a:r>
+            <a:r>
+              <a:rPr lang="ko-KR" altLang="en-US" b="1" dirty="0"/>
+              <a:t>을 적용</a:t>
+            </a:r>
+            <a:r>
+              <a:rPr lang="en-US" altLang="ko-KR" dirty="0"/>
+              <a:t>, </a:t>
+            </a:r>
+            <a:r>
+              <a:rPr lang="ko-KR" altLang="en-US" dirty="0"/>
+              <a:t>그 효과를 정량적으로 평가하는 방식이 현재 유효한 접근법</a:t>
+            </a:r>
+            <a:endParaRPr lang="en-US" altLang="ko-KR" dirty="0"/>
+          </a:p>
+          <a:p>
+            <a:endParaRPr lang="en-US" altLang="ko-KR" dirty="0"/>
+          </a:p>
+          <a:p>
+            <a:r>
+              <a:rPr lang="ko-KR" altLang="en-US" dirty="0"/>
+              <a:t>본 연구는 </a:t>
+            </a:r>
+            <a:r>
+              <a:rPr lang="en-US" altLang="ko-KR" dirty="0"/>
+              <a:t>PVT v2 </a:t>
+            </a:r>
+            <a:r>
+              <a:rPr lang="ko-KR" altLang="en-US" dirty="0"/>
+              <a:t>기반 </a:t>
+            </a:r>
+            <a:r>
+              <a:rPr lang="en-US" altLang="ko-KR" dirty="0"/>
+              <a:t>MTL </a:t>
+            </a:r>
+            <a:r>
+              <a:rPr lang="ko-KR" altLang="en-US" dirty="0"/>
+              <a:t>모델을 설계하여 </a:t>
+            </a:r>
+            <a:r>
+              <a:rPr lang="en-US" altLang="ko-KR" b="1" dirty="0"/>
+              <a:t>STL </a:t>
+            </a:r>
+            <a:r>
+              <a:rPr lang="ko-KR" altLang="en-US" b="1" dirty="0"/>
+              <a:t>대비 성능 향상과 자율주행 분야 적용 가능성</a:t>
+            </a:r>
+            <a:r>
+              <a:rPr lang="ko-KR" altLang="en-US" dirty="0"/>
+              <a:t>을 분석하고자 함</a:t>
+            </a:r>
+            <a:endParaRPr lang="en-US" altLang="ko-KR" dirty="0"/>
+          </a:p>
+        </p:txBody>
+      </p:sp>
+    </p:spTree>
+    <p:extLst>
+      <p:ext uri="{BB962C8B-B14F-4D97-AF65-F5344CB8AC3E}">
+        <p14:creationId xmlns:p14="http://schemas.microsoft.com/office/powerpoint/2010/main" val="3926916989"/>
+      </p:ext>
+    </p:extLst>
+  </p:cSld>
+  <p:clrMapOvr>
+    <a:masterClrMapping/>
+  </p:clrMapOvr>
+</p:sld>
+</file>
+
+<file path=ppt/slides/slide6.xml><?xml version="1.0" encoding="utf-8"?>
 <p:sld xmlns:a="http://schemas.openxmlformats.org/drawingml/2006/main" xmlns:r="http://schemas.openxmlformats.org/officeDocument/2006/relationships" xmlns:p="http://schemas.openxmlformats.org/presentationml/2006/main">
   <p:cSld>
     <p:spTree>
@@ -22185,7 +22717,7 @@
 </p:sld>
 </file>
 
-<file path=ppt/slides/slide6.xml><?xml version="1.0" encoding="utf-8"?>
+<file path=ppt/slides/slide7.xml><?xml version="1.0" encoding="utf-8"?>
 <p:sld xmlns:a="http://schemas.openxmlformats.org/drawingml/2006/main" xmlns:r="http://schemas.openxmlformats.org/officeDocument/2006/relationships" xmlns:p="http://schemas.openxmlformats.org/presentationml/2006/main">
   <p:cSld>
     <p:spTree>
@@ -22389,7 +22921,7 @@
 </p:sld>
 </file>
 
-<file path=ppt/slides/slide7.xml><?xml version="1.0" encoding="utf-8"?>
+<file path=ppt/slides/slide8.xml><?xml version="1.0" encoding="utf-8"?>
 <p:sld xmlns:a="http://schemas.openxmlformats.org/drawingml/2006/main" xmlns:r="http://schemas.openxmlformats.org/officeDocument/2006/relationships" xmlns:p="http://schemas.openxmlformats.org/presentationml/2006/main">
   <p:cSld>
     <p:spTree>
@@ -22570,7 +23102,7 @@
 </p:sld>
 </file>
 
-<file path=ppt/slides/slide8.xml><?xml version="1.0" encoding="utf-8"?>
+<file path=ppt/slides/slide9.xml><?xml version="1.0" encoding="utf-8"?>
 <p:sld xmlns:a="http://schemas.openxmlformats.org/drawingml/2006/main" xmlns:r="http://schemas.openxmlformats.org/officeDocument/2006/relationships" xmlns:p="http://schemas.openxmlformats.org/presentationml/2006/main">
   <p:cSld>
     <p:spTree>
@@ -23566,148 +24098,6 @@
 </p:sld>
 </file>
 
-<file path=ppt/slides/slide9.xml><?xml version="1.0" encoding="utf-8"?>
-<p:sld xmlns:a="http://schemas.openxmlformats.org/drawingml/2006/main" xmlns:r="http://schemas.openxmlformats.org/officeDocument/2006/relationships" xmlns:p="http://schemas.openxmlformats.org/presentationml/2006/main">
-  <p:cSld>
-    <p:spTree>
-      <p:nvGrpSpPr>
-        <p:cNvPr id="1" name="">
-          <a:extLst>
-            <a:ext uri="{FF2B5EF4-FFF2-40B4-BE49-F238E27FC236}">
-              <a16:creationId xmlns:a16="http://schemas.microsoft.com/office/drawing/2014/main" id="{5ABDDCCD-53A1-2D5B-0F80-83A2C75700A9}"/>
-            </a:ext>
-          </a:extLst>
-        </p:cNvPr>
-        <p:cNvGrpSpPr/>
-        <p:nvPr/>
-      </p:nvGrpSpPr>
-      <p:grpSpPr>
-        <a:xfrm>
-          <a:off x="0" y="0"/>
-          <a:ext cx="0" cy="0"/>
-          <a:chOff x="0" y="0"/>
-          <a:chExt cx="0" cy="0"/>
-        </a:xfrm>
-      </p:grpSpPr>
-      <p:sp>
-        <p:nvSpPr>
-          <p:cNvPr id="2" name="제목 1">
-            <a:extLst>
-              <a:ext uri="{FF2B5EF4-FFF2-40B4-BE49-F238E27FC236}">
-                <a16:creationId xmlns:a16="http://schemas.microsoft.com/office/drawing/2014/main" id="{6FA7CDAB-74E6-7952-5458-D731502F25E0}"/>
-              </a:ext>
-            </a:extLst>
-          </p:cNvPr>
-          <p:cNvSpPr>
-            <a:spLocks noGrp="1"/>
-          </p:cNvSpPr>
-          <p:nvPr>
-            <p:ph type="title"/>
-          </p:nvPr>
-        </p:nvSpPr>
-        <p:spPr>
-          <a:xfrm>
-            <a:off x="691079" y="0"/>
-            <a:ext cx="10325000" cy="1442463"/>
-          </a:xfrm>
-        </p:spPr>
-        <p:txBody>
-          <a:bodyPr/>
-          <a:lstStyle/>
-          <a:p>
-            <a:r>
-              <a:rPr lang="ko-KR" altLang="en-US" dirty="0"/>
-              <a:t>소프트웨어 사용 사례 </a:t>
-            </a:r>
-            <a:r>
-              <a:rPr lang="en-US" altLang="ko-KR" dirty="0"/>
-              <a:t>/</a:t>
-            </a:r>
-            <a:r>
-              <a:rPr lang="ko-KR" altLang="en-US" dirty="0"/>
-              <a:t> </a:t>
-            </a:r>
-            <a:r>
-              <a:rPr lang="en-US" altLang="ko-KR" dirty="0"/>
-              <a:t>DIAGRAM</a:t>
-            </a:r>
-            <a:endParaRPr lang="ko-KR" altLang="en-US" dirty="0"/>
-          </a:p>
-        </p:txBody>
-      </p:sp>
-      <p:pic>
-        <p:nvPicPr>
-          <p:cNvPr id="3073" name="Picture 1">
-            <a:extLst>
-              <a:ext uri="{FF2B5EF4-FFF2-40B4-BE49-F238E27FC236}">
-                <a16:creationId xmlns:a16="http://schemas.microsoft.com/office/drawing/2014/main" id="{55908EEE-E3AD-6681-5D73-09667A2C9956}"/>
-              </a:ext>
-            </a:extLst>
-          </p:cNvPr>
-          <p:cNvPicPr>
-            <a:picLocks noChangeAspect="1" noChangeArrowheads="1"/>
-          </p:cNvPicPr>
-          <p:nvPr/>
-        </p:nvPicPr>
-        <p:blipFill>
-          <a:blip r:embed="rId3">
-            <a:extLst>
-              <a:ext uri="{28A0092B-C50C-407E-A947-70E740481C1C}">
-                <a14:useLocalDpi xmlns:a14="http://schemas.microsoft.com/office/drawing/2010/main" val="0"/>
-              </a:ext>
-            </a:extLst>
-          </a:blip>
-          <a:srcRect/>
-          <a:stretch>
-            <a:fillRect/>
-          </a:stretch>
-        </p:blipFill>
-        <p:spPr bwMode="auto">
-          <a:xfrm>
-            <a:off x="2602774" y="1754998"/>
-            <a:ext cx="6501610" cy="4734702"/>
-          </a:xfrm>
-          <a:prstGeom prst="rect">
-            <a:avLst/>
-          </a:prstGeom>
-          <a:noFill/>
-          <a:ln>
-            <a:noFill/>
-          </a:ln>
-          <a:extLst>
-            <a:ext uri="{909E8E84-426E-40DD-AFC4-6F175D3DCCD1}">
-              <a14:hiddenFill xmlns:a14="http://schemas.microsoft.com/office/drawing/2010/main">
-                <a:solidFill>
-                  <a:srgbClr val="FFFFFF"/>
-                </a:solidFill>
-              </a14:hiddenFill>
-            </a:ext>
-            <a:ext uri="{91240B29-F687-4F45-9708-019B960494DF}">
-              <a14:hiddenLine xmlns:a14="http://schemas.microsoft.com/office/drawing/2010/main" w="9525">
-                <a:solidFill>
-                  <a:srgbClr val="000000"/>
-                </a:solidFill>
-                <a:miter lim="800000"/>
-                <a:headEnd/>
-                <a:tailEnd/>
-              </a14:hiddenLine>
-            </a:ext>
-          </a:extLst>
-        </p:spPr>
-      </p:pic>
-    </p:spTree>
-    <p:extLst>
-      <p:ext uri="{BB962C8B-B14F-4D97-AF65-F5344CB8AC3E}">
-        <p14:creationId xmlns:p14="http://schemas.microsoft.com/office/powerpoint/2010/main" val="1199213148"/>
-      </p:ext>
-    </p:extLst>
-  </p:cSld>
-  <p:clrMapOvr>
-    <a:masterClrMapping/>
-  </p:clrMapOvr>
-</p:sld>
-</file>
-
 <file path=ppt/theme/theme1.xml><?xml version="1.0" encoding="utf-8"?>
 <a:theme xmlns:a="http://schemas.openxmlformats.org/drawingml/2006/main" name="CosineVTI">
   <a:themeElements>
